--- a/Presentaciones/MSCFC.pptx
+++ b/Presentaciones/MSCFC.pptx
@@ -6,19 +6,11 @@
   </p:sldMasterIdLst>
   <p:sldIdLst>
     <p:sldId id="256" r:id="rId2"/>
-    <p:sldId id="273" r:id="rId3"/>
-    <p:sldId id="274" r:id="rId4"/>
-    <p:sldId id="276" r:id="rId5"/>
-    <p:sldId id="258" r:id="rId6"/>
-    <p:sldId id="275" r:id="rId7"/>
-    <p:sldId id="259" r:id="rId8"/>
-    <p:sldId id="266" r:id="rId9"/>
-    <p:sldId id="267" r:id="rId10"/>
-    <p:sldId id="270" r:id="rId11"/>
-    <p:sldId id="269" r:id="rId12"/>
-    <p:sldId id="271" r:id="rId13"/>
-    <p:sldId id="268" r:id="rId14"/>
-    <p:sldId id="272" r:id="rId15"/>
+    <p:sldId id="258" r:id="rId3"/>
+    <p:sldId id="275" r:id="rId4"/>
+    <p:sldId id="259" r:id="rId5"/>
+    <p:sldId id="266" r:id="rId6"/>
+    <p:sldId id="276" r:id="rId7"/>
   </p:sldIdLst>
   <p:sldSz cx="12192000" cy="6858000"/>
   <p:notesSz cx="6858000" cy="9144000"/>
@@ -167,7 +159,7 @@
           </a:lstStyle>
           <a:p>
             <a:r>
-              <a:rPr lang="es-ES" smtClean="0"/>
+              <a:rPr lang="es-ES"/>
               <a:t>Haga clic para modificar el estilo de título del patrón</a:t>
             </a:r>
             <a:endParaRPr lang="es-CO"/>
@@ -232,7 +224,7 @@
           </a:lstStyle>
           <a:p>
             <a:r>
-              <a:rPr lang="es-ES" smtClean="0"/>
+              <a:rPr lang="es-ES"/>
               <a:t>Haga clic para modificar el estilo de subtítulo del patrón</a:t>
             </a:r>
             <a:endParaRPr lang="es-CO"/>
@@ -256,7 +248,7 @@
           <a:p>
             <a:fld id="{15D4CB62-A32C-4F30-AA63-C822D98B8B3C}" type="datetimeFigureOut">
               <a:rPr lang="es-CO" smtClean="0"/>
-              <a:t>7/02/2020</a:t>
+              <a:t>23/02/21</a:t>
             </a:fld>
             <a:endParaRPr lang="es-CO"/>
           </a:p>
@@ -298,7 +290,7 @@
           <a:p>
             <a:fld id="{DE2C0B9E-2A74-4B98-A0D8-7621D9B9AA01}" type="slidenum">
               <a:rPr lang="es-CO" smtClean="0"/>
-              <a:t>‹Nº›</a:t>
+              <a:t>‹#›</a:t>
             </a:fld>
             <a:endParaRPr lang="es-CO"/>
           </a:p>
@@ -350,7 +342,7 @@
           <a:lstStyle/>
           <a:p>
             <a:r>
-              <a:rPr lang="es-ES" smtClean="0"/>
+              <a:rPr lang="es-ES"/>
               <a:t>Haga clic para modificar el estilo de título del patrón</a:t>
             </a:r>
             <a:endParaRPr lang="es-CO"/>
@@ -374,35 +366,35 @@
           <a:p>
             <a:pPr lvl="0"/>
             <a:r>
-              <a:rPr lang="es-ES" smtClean="0"/>
+              <a:rPr lang="es-ES"/>
               <a:t>Haga clic para modificar el estilo de texto del patrón</a:t>
             </a:r>
           </a:p>
           <a:p>
             <a:pPr lvl="1"/>
             <a:r>
-              <a:rPr lang="es-ES" smtClean="0"/>
+              <a:rPr lang="es-ES"/>
               <a:t>Segundo nivel</a:t>
             </a:r>
           </a:p>
           <a:p>
             <a:pPr lvl="2"/>
             <a:r>
-              <a:rPr lang="es-ES" smtClean="0"/>
+              <a:rPr lang="es-ES"/>
               <a:t>Tercer nivel</a:t>
             </a:r>
           </a:p>
           <a:p>
             <a:pPr lvl="3"/>
             <a:r>
-              <a:rPr lang="es-ES" smtClean="0"/>
+              <a:rPr lang="es-ES"/>
               <a:t>Cuarto nivel</a:t>
             </a:r>
           </a:p>
           <a:p>
             <a:pPr lvl="4"/>
             <a:r>
-              <a:rPr lang="es-ES" smtClean="0"/>
+              <a:rPr lang="es-ES"/>
               <a:t>Quinto nivel</a:t>
             </a:r>
             <a:endParaRPr lang="es-CO"/>
@@ -426,7 +418,7 @@
           <a:p>
             <a:fld id="{15D4CB62-A32C-4F30-AA63-C822D98B8B3C}" type="datetimeFigureOut">
               <a:rPr lang="es-CO" smtClean="0"/>
-              <a:t>7/02/2020</a:t>
+              <a:t>23/02/21</a:t>
             </a:fld>
             <a:endParaRPr lang="es-CO"/>
           </a:p>
@@ -468,7 +460,7 @@
           <a:p>
             <a:fld id="{DE2C0B9E-2A74-4B98-A0D8-7621D9B9AA01}" type="slidenum">
               <a:rPr lang="es-CO" smtClean="0"/>
-              <a:t>‹Nº›</a:t>
+              <a:t>‹#›</a:t>
             </a:fld>
             <a:endParaRPr lang="es-CO"/>
           </a:p>
@@ -525,7 +517,7 @@
           <a:lstStyle/>
           <a:p>
             <a:r>
-              <a:rPr lang="es-ES" smtClean="0"/>
+              <a:rPr lang="es-ES"/>
               <a:t>Haga clic para modificar el estilo de título del patrón</a:t>
             </a:r>
             <a:endParaRPr lang="es-CO"/>
@@ -554,35 +546,35 @@
           <a:p>
             <a:pPr lvl="0"/>
             <a:r>
-              <a:rPr lang="es-ES" smtClean="0"/>
+              <a:rPr lang="es-ES"/>
               <a:t>Haga clic para modificar el estilo de texto del patrón</a:t>
             </a:r>
           </a:p>
           <a:p>
             <a:pPr lvl="1"/>
             <a:r>
-              <a:rPr lang="es-ES" smtClean="0"/>
+              <a:rPr lang="es-ES"/>
               <a:t>Segundo nivel</a:t>
             </a:r>
           </a:p>
           <a:p>
             <a:pPr lvl="2"/>
             <a:r>
-              <a:rPr lang="es-ES" smtClean="0"/>
+              <a:rPr lang="es-ES"/>
               <a:t>Tercer nivel</a:t>
             </a:r>
           </a:p>
           <a:p>
             <a:pPr lvl="3"/>
             <a:r>
-              <a:rPr lang="es-ES" smtClean="0"/>
+              <a:rPr lang="es-ES"/>
               <a:t>Cuarto nivel</a:t>
             </a:r>
           </a:p>
           <a:p>
             <a:pPr lvl="4"/>
             <a:r>
-              <a:rPr lang="es-ES" smtClean="0"/>
+              <a:rPr lang="es-ES"/>
               <a:t>Quinto nivel</a:t>
             </a:r>
             <a:endParaRPr lang="es-CO"/>
@@ -606,7 +598,7 @@
           <a:p>
             <a:fld id="{15D4CB62-A32C-4F30-AA63-C822D98B8B3C}" type="datetimeFigureOut">
               <a:rPr lang="es-CO" smtClean="0"/>
-              <a:t>7/02/2020</a:t>
+              <a:t>23/02/21</a:t>
             </a:fld>
             <a:endParaRPr lang="es-CO"/>
           </a:p>
@@ -648,7 +640,7 @@
           <a:p>
             <a:fld id="{DE2C0B9E-2A74-4B98-A0D8-7621D9B9AA01}" type="slidenum">
               <a:rPr lang="es-CO" smtClean="0"/>
-              <a:t>‹Nº›</a:t>
+              <a:t>‹#›</a:t>
             </a:fld>
             <a:endParaRPr lang="es-CO"/>
           </a:p>
@@ -700,7 +692,7 @@
           <a:lstStyle/>
           <a:p>
             <a:r>
-              <a:rPr lang="es-ES" smtClean="0"/>
+              <a:rPr lang="es-ES"/>
               <a:t>Haga clic para modificar el estilo de título del patrón</a:t>
             </a:r>
             <a:endParaRPr lang="es-CO"/>
@@ -724,35 +716,35 @@
           <a:p>
             <a:pPr lvl="0"/>
             <a:r>
-              <a:rPr lang="es-ES" smtClean="0"/>
+              <a:rPr lang="es-ES"/>
               <a:t>Haga clic para modificar el estilo de texto del patrón</a:t>
             </a:r>
           </a:p>
           <a:p>
             <a:pPr lvl="1"/>
             <a:r>
-              <a:rPr lang="es-ES" smtClean="0"/>
+              <a:rPr lang="es-ES"/>
               <a:t>Segundo nivel</a:t>
             </a:r>
           </a:p>
           <a:p>
             <a:pPr lvl="2"/>
             <a:r>
-              <a:rPr lang="es-ES" smtClean="0"/>
+              <a:rPr lang="es-ES"/>
               <a:t>Tercer nivel</a:t>
             </a:r>
           </a:p>
           <a:p>
             <a:pPr lvl="3"/>
             <a:r>
-              <a:rPr lang="es-ES" smtClean="0"/>
+              <a:rPr lang="es-ES"/>
               <a:t>Cuarto nivel</a:t>
             </a:r>
           </a:p>
           <a:p>
             <a:pPr lvl="4"/>
             <a:r>
-              <a:rPr lang="es-ES" smtClean="0"/>
+              <a:rPr lang="es-ES"/>
               <a:t>Quinto nivel</a:t>
             </a:r>
             <a:endParaRPr lang="es-CO"/>
@@ -776,7 +768,7 @@
           <a:p>
             <a:fld id="{15D4CB62-A32C-4F30-AA63-C822D98B8B3C}" type="datetimeFigureOut">
               <a:rPr lang="es-CO" smtClean="0"/>
-              <a:t>7/02/2020</a:t>
+              <a:t>23/02/21</a:t>
             </a:fld>
             <a:endParaRPr lang="es-CO"/>
           </a:p>
@@ -818,7 +810,7 @@
           <a:p>
             <a:fld id="{DE2C0B9E-2A74-4B98-A0D8-7621D9B9AA01}" type="slidenum">
               <a:rPr lang="es-CO" smtClean="0"/>
-              <a:t>‹Nº›</a:t>
+              <a:t>‹#›</a:t>
             </a:fld>
             <a:endParaRPr lang="es-CO"/>
           </a:p>
@@ -879,7 +871,7 @@
           </a:lstStyle>
           <a:p>
             <a:r>
-              <a:rPr lang="es-ES" smtClean="0"/>
+              <a:rPr lang="es-ES"/>
               <a:t>Haga clic para modificar el estilo de título del patrón</a:t>
             </a:r>
             <a:endParaRPr lang="es-CO"/>
@@ -999,7 +991,7 @@
           <a:p>
             <a:pPr lvl="0"/>
             <a:r>
-              <a:rPr lang="es-ES" smtClean="0"/>
+              <a:rPr lang="es-ES"/>
               <a:t>Haga clic para modificar el estilo de texto del patrón</a:t>
             </a:r>
           </a:p>
@@ -1022,7 +1014,7 @@
           <a:p>
             <a:fld id="{15D4CB62-A32C-4F30-AA63-C822D98B8B3C}" type="datetimeFigureOut">
               <a:rPr lang="es-CO" smtClean="0"/>
-              <a:t>7/02/2020</a:t>
+              <a:t>23/02/21</a:t>
             </a:fld>
             <a:endParaRPr lang="es-CO"/>
           </a:p>
@@ -1064,7 +1056,7 @@
           <a:p>
             <a:fld id="{DE2C0B9E-2A74-4B98-A0D8-7621D9B9AA01}" type="slidenum">
               <a:rPr lang="es-CO" smtClean="0"/>
-              <a:t>‹Nº›</a:t>
+              <a:t>‹#›</a:t>
             </a:fld>
             <a:endParaRPr lang="es-CO"/>
           </a:p>
@@ -1116,7 +1108,7 @@
           <a:lstStyle/>
           <a:p>
             <a:r>
-              <a:rPr lang="es-ES" smtClean="0"/>
+              <a:rPr lang="es-ES"/>
               <a:t>Haga clic para modificar el estilo de título del patrón</a:t>
             </a:r>
             <a:endParaRPr lang="es-CO"/>
@@ -1145,35 +1137,35 @@
           <a:p>
             <a:pPr lvl="0"/>
             <a:r>
-              <a:rPr lang="es-ES" smtClean="0"/>
+              <a:rPr lang="es-ES"/>
               <a:t>Haga clic para modificar el estilo de texto del patrón</a:t>
             </a:r>
           </a:p>
           <a:p>
             <a:pPr lvl="1"/>
             <a:r>
-              <a:rPr lang="es-ES" smtClean="0"/>
+              <a:rPr lang="es-ES"/>
               <a:t>Segundo nivel</a:t>
             </a:r>
           </a:p>
           <a:p>
             <a:pPr lvl="2"/>
             <a:r>
-              <a:rPr lang="es-ES" smtClean="0"/>
+              <a:rPr lang="es-ES"/>
               <a:t>Tercer nivel</a:t>
             </a:r>
           </a:p>
           <a:p>
             <a:pPr lvl="3"/>
             <a:r>
-              <a:rPr lang="es-ES" smtClean="0"/>
+              <a:rPr lang="es-ES"/>
               <a:t>Cuarto nivel</a:t>
             </a:r>
           </a:p>
           <a:p>
             <a:pPr lvl="4"/>
             <a:r>
-              <a:rPr lang="es-ES" smtClean="0"/>
+              <a:rPr lang="es-ES"/>
               <a:t>Quinto nivel</a:t>
             </a:r>
             <a:endParaRPr lang="es-CO"/>
@@ -1202,35 +1194,35 @@
           <a:p>
             <a:pPr lvl="0"/>
             <a:r>
-              <a:rPr lang="es-ES" smtClean="0"/>
+              <a:rPr lang="es-ES"/>
               <a:t>Haga clic para modificar el estilo de texto del patrón</a:t>
             </a:r>
           </a:p>
           <a:p>
             <a:pPr lvl="1"/>
             <a:r>
-              <a:rPr lang="es-ES" smtClean="0"/>
+              <a:rPr lang="es-ES"/>
               <a:t>Segundo nivel</a:t>
             </a:r>
           </a:p>
           <a:p>
             <a:pPr lvl="2"/>
             <a:r>
-              <a:rPr lang="es-ES" smtClean="0"/>
+              <a:rPr lang="es-ES"/>
               <a:t>Tercer nivel</a:t>
             </a:r>
           </a:p>
           <a:p>
             <a:pPr lvl="3"/>
             <a:r>
-              <a:rPr lang="es-ES" smtClean="0"/>
+              <a:rPr lang="es-ES"/>
               <a:t>Cuarto nivel</a:t>
             </a:r>
           </a:p>
           <a:p>
             <a:pPr lvl="4"/>
             <a:r>
-              <a:rPr lang="es-ES" smtClean="0"/>
+              <a:rPr lang="es-ES"/>
               <a:t>Quinto nivel</a:t>
             </a:r>
             <a:endParaRPr lang="es-CO"/>
@@ -1254,7 +1246,7 @@
           <a:p>
             <a:fld id="{15D4CB62-A32C-4F30-AA63-C822D98B8B3C}" type="datetimeFigureOut">
               <a:rPr lang="es-CO" smtClean="0"/>
-              <a:t>7/02/2020</a:t>
+              <a:t>23/02/21</a:t>
             </a:fld>
             <a:endParaRPr lang="es-CO"/>
           </a:p>
@@ -1296,7 +1288,7 @@
           <a:p>
             <a:fld id="{DE2C0B9E-2A74-4B98-A0D8-7621D9B9AA01}" type="slidenum">
               <a:rPr lang="es-CO" smtClean="0"/>
-              <a:t>‹Nº›</a:t>
+              <a:t>‹#›</a:t>
             </a:fld>
             <a:endParaRPr lang="es-CO"/>
           </a:p>
@@ -1353,7 +1345,7 @@
           <a:lstStyle/>
           <a:p>
             <a:r>
-              <a:rPr lang="es-ES" smtClean="0"/>
+              <a:rPr lang="es-ES"/>
               <a:t>Haga clic para modificar el estilo de título del patrón</a:t>
             </a:r>
             <a:endParaRPr lang="es-CO"/>
@@ -1419,7 +1411,7 @@
           <a:p>
             <a:pPr lvl="0"/>
             <a:r>
-              <a:rPr lang="es-ES" smtClean="0"/>
+              <a:rPr lang="es-ES"/>
               <a:t>Haga clic para modificar el estilo de texto del patrón</a:t>
             </a:r>
           </a:p>
@@ -1447,35 +1439,35 @@
           <a:p>
             <a:pPr lvl="0"/>
             <a:r>
-              <a:rPr lang="es-ES" smtClean="0"/>
+              <a:rPr lang="es-ES"/>
               <a:t>Haga clic para modificar el estilo de texto del patrón</a:t>
             </a:r>
           </a:p>
           <a:p>
             <a:pPr lvl="1"/>
             <a:r>
-              <a:rPr lang="es-ES" smtClean="0"/>
+              <a:rPr lang="es-ES"/>
               <a:t>Segundo nivel</a:t>
             </a:r>
           </a:p>
           <a:p>
             <a:pPr lvl="2"/>
             <a:r>
-              <a:rPr lang="es-ES" smtClean="0"/>
+              <a:rPr lang="es-ES"/>
               <a:t>Tercer nivel</a:t>
             </a:r>
           </a:p>
           <a:p>
             <a:pPr lvl="3"/>
             <a:r>
-              <a:rPr lang="es-ES" smtClean="0"/>
+              <a:rPr lang="es-ES"/>
               <a:t>Cuarto nivel</a:t>
             </a:r>
           </a:p>
           <a:p>
             <a:pPr lvl="4"/>
             <a:r>
-              <a:rPr lang="es-ES" smtClean="0"/>
+              <a:rPr lang="es-ES"/>
               <a:t>Quinto nivel</a:t>
             </a:r>
             <a:endParaRPr lang="es-CO"/>
@@ -1541,7 +1533,7 @@
           <a:p>
             <a:pPr lvl="0"/>
             <a:r>
-              <a:rPr lang="es-ES" smtClean="0"/>
+              <a:rPr lang="es-ES"/>
               <a:t>Haga clic para modificar el estilo de texto del patrón</a:t>
             </a:r>
           </a:p>
@@ -1569,35 +1561,35 @@
           <a:p>
             <a:pPr lvl="0"/>
             <a:r>
-              <a:rPr lang="es-ES" smtClean="0"/>
+              <a:rPr lang="es-ES"/>
               <a:t>Haga clic para modificar el estilo de texto del patrón</a:t>
             </a:r>
           </a:p>
           <a:p>
             <a:pPr lvl="1"/>
             <a:r>
-              <a:rPr lang="es-ES" smtClean="0"/>
+              <a:rPr lang="es-ES"/>
               <a:t>Segundo nivel</a:t>
             </a:r>
           </a:p>
           <a:p>
             <a:pPr lvl="2"/>
             <a:r>
-              <a:rPr lang="es-ES" smtClean="0"/>
+              <a:rPr lang="es-ES"/>
               <a:t>Tercer nivel</a:t>
             </a:r>
           </a:p>
           <a:p>
             <a:pPr lvl="3"/>
             <a:r>
-              <a:rPr lang="es-ES" smtClean="0"/>
+              <a:rPr lang="es-ES"/>
               <a:t>Cuarto nivel</a:t>
             </a:r>
           </a:p>
           <a:p>
             <a:pPr lvl="4"/>
             <a:r>
-              <a:rPr lang="es-ES" smtClean="0"/>
+              <a:rPr lang="es-ES"/>
               <a:t>Quinto nivel</a:t>
             </a:r>
             <a:endParaRPr lang="es-CO"/>
@@ -1621,7 +1613,7 @@
           <a:p>
             <a:fld id="{15D4CB62-A32C-4F30-AA63-C822D98B8B3C}" type="datetimeFigureOut">
               <a:rPr lang="es-CO" smtClean="0"/>
-              <a:t>7/02/2020</a:t>
+              <a:t>23/02/21</a:t>
             </a:fld>
             <a:endParaRPr lang="es-CO"/>
           </a:p>
@@ -1663,7 +1655,7 @@
           <a:p>
             <a:fld id="{DE2C0B9E-2A74-4B98-A0D8-7621D9B9AA01}" type="slidenum">
               <a:rPr lang="es-CO" smtClean="0"/>
-              <a:t>‹Nº›</a:t>
+              <a:t>‹#›</a:t>
             </a:fld>
             <a:endParaRPr lang="es-CO"/>
           </a:p>
@@ -1715,7 +1707,7 @@
           <a:lstStyle/>
           <a:p>
             <a:r>
-              <a:rPr lang="es-ES" smtClean="0"/>
+              <a:rPr lang="es-ES"/>
               <a:t>Haga clic para modificar el estilo de título del patrón</a:t>
             </a:r>
             <a:endParaRPr lang="es-CO"/>
@@ -1739,7 +1731,7 @@
           <a:p>
             <a:fld id="{15D4CB62-A32C-4F30-AA63-C822D98B8B3C}" type="datetimeFigureOut">
               <a:rPr lang="es-CO" smtClean="0"/>
-              <a:t>7/02/2020</a:t>
+              <a:t>23/02/21</a:t>
             </a:fld>
             <a:endParaRPr lang="es-CO"/>
           </a:p>
@@ -1781,7 +1773,7 @@
           <a:p>
             <a:fld id="{DE2C0B9E-2A74-4B98-A0D8-7621D9B9AA01}" type="slidenum">
               <a:rPr lang="es-CO" smtClean="0"/>
-              <a:t>‹Nº›</a:t>
+              <a:t>‹#›</a:t>
             </a:fld>
             <a:endParaRPr lang="es-CO"/>
           </a:p>
@@ -1834,7 +1826,7 @@
           <a:p>
             <a:fld id="{15D4CB62-A32C-4F30-AA63-C822D98B8B3C}" type="datetimeFigureOut">
               <a:rPr lang="es-CO" smtClean="0"/>
-              <a:t>7/02/2020</a:t>
+              <a:t>23/02/21</a:t>
             </a:fld>
             <a:endParaRPr lang="es-CO"/>
           </a:p>
@@ -1876,7 +1868,7 @@
           <a:p>
             <a:fld id="{DE2C0B9E-2A74-4B98-A0D8-7621D9B9AA01}" type="slidenum">
               <a:rPr lang="es-CO" smtClean="0"/>
-              <a:t>‹Nº›</a:t>
+              <a:t>‹#›</a:t>
             </a:fld>
             <a:endParaRPr lang="es-CO"/>
           </a:p>
@@ -1937,7 +1929,7 @@
           </a:lstStyle>
           <a:p>
             <a:r>
-              <a:rPr lang="es-ES" smtClean="0"/>
+              <a:rPr lang="es-ES"/>
               <a:t>Haga clic para modificar el estilo de título del patrón</a:t>
             </a:r>
             <a:endParaRPr lang="es-CO"/>
@@ -1994,35 +1986,35 @@
           <a:p>
             <a:pPr lvl="0"/>
             <a:r>
-              <a:rPr lang="es-ES" smtClean="0"/>
+              <a:rPr lang="es-ES"/>
               <a:t>Haga clic para modificar el estilo de texto del patrón</a:t>
             </a:r>
           </a:p>
           <a:p>
             <a:pPr lvl="1"/>
             <a:r>
-              <a:rPr lang="es-ES" smtClean="0"/>
+              <a:rPr lang="es-ES"/>
               <a:t>Segundo nivel</a:t>
             </a:r>
           </a:p>
           <a:p>
             <a:pPr lvl="2"/>
             <a:r>
-              <a:rPr lang="es-ES" smtClean="0"/>
+              <a:rPr lang="es-ES"/>
               <a:t>Tercer nivel</a:t>
             </a:r>
           </a:p>
           <a:p>
             <a:pPr lvl="3"/>
             <a:r>
-              <a:rPr lang="es-ES" smtClean="0"/>
+              <a:rPr lang="es-ES"/>
               <a:t>Cuarto nivel</a:t>
             </a:r>
           </a:p>
           <a:p>
             <a:pPr lvl="4"/>
             <a:r>
-              <a:rPr lang="es-ES" smtClean="0"/>
+              <a:rPr lang="es-ES"/>
               <a:t>Quinto nivel</a:t>
             </a:r>
             <a:endParaRPr lang="es-CO"/>
@@ -2088,7 +2080,7 @@
           <a:p>
             <a:pPr lvl="0"/>
             <a:r>
-              <a:rPr lang="es-ES" smtClean="0"/>
+              <a:rPr lang="es-ES"/>
               <a:t>Haga clic para modificar el estilo de texto del patrón</a:t>
             </a:r>
           </a:p>
@@ -2111,7 +2103,7 @@
           <a:p>
             <a:fld id="{15D4CB62-A32C-4F30-AA63-C822D98B8B3C}" type="datetimeFigureOut">
               <a:rPr lang="es-CO" smtClean="0"/>
-              <a:t>7/02/2020</a:t>
+              <a:t>23/02/21</a:t>
             </a:fld>
             <a:endParaRPr lang="es-CO"/>
           </a:p>
@@ -2153,7 +2145,7 @@
           <a:p>
             <a:fld id="{DE2C0B9E-2A74-4B98-A0D8-7621D9B9AA01}" type="slidenum">
               <a:rPr lang="es-CO" smtClean="0"/>
-              <a:t>‹Nº›</a:t>
+              <a:t>‹#›</a:t>
             </a:fld>
             <a:endParaRPr lang="es-CO"/>
           </a:p>
@@ -2214,7 +2206,7 @@
           </a:lstStyle>
           <a:p>
             <a:r>
-              <a:rPr lang="es-ES" smtClean="0"/>
+              <a:rPr lang="es-ES"/>
               <a:t>Haga clic para modificar el estilo de título del patrón</a:t>
             </a:r>
             <a:endParaRPr lang="es-CO"/>
@@ -2341,7 +2333,7 @@
           <a:p>
             <a:pPr lvl="0"/>
             <a:r>
-              <a:rPr lang="es-ES" smtClean="0"/>
+              <a:rPr lang="es-ES"/>
               <a:t>Haga clic para modificar el estilo de texto del patrón</a:t>
             </a:r>
           </a:p>
@@ -2364,7 +2356,7 @@
           <a:p>
             <a:fld id="{15D4CB62-A32C-4F30-AA63-C822D98B8B3C}" type="datetimeFigureOut">
               <a:rPr lang="es-CO" smtClean="0"/>
-              <a:t>7/02/2020</a:t>
+              <a:t>23/02/21</a:t>
             </a:fld>
             <a:endParaRPr lang="es-CO"/>
           </a:p>
@@ -2406,7 +2398,7 @@
           <a:p>
             <a:fld id="{DE2C0B9E-2A74-4B98-A0D8-7621D9B9AA01}" type="slidenum">
               <a:rPr lang="es-CO" smtClean="0"/>
-              <a:t>‹Nº›</a:t>
+              <a:t>‹#›</a:t>
             </a:fld>
             <a:endParaRPr lang="es-CO"/>
           </a:p>
@@ -2473,7 +2465,7 @@
           <a:lstStyle/>
           <a:p>
             <a:r>
-              <a:rPr lang="es-ES" smtClean="0"/>
+              <a:rPr lang="es-ES"/>
               <a:t>Haga clic para modificar el estilo de título del patrón</a:t>
             </a:r>
             <a:endParaRPr lang="es-CO"/>
@@ -2507,35 +2499,35 @@
           <a:p>
             <a:pPr lvl="0"/>
             <a:r>
-              <a:rPr lang="es-ES" smtClean="0"/>
+              <a:rPr lang="es-ES"/>
               <a:t>Haga clic para modificar el estilo de texto del patrón</a:t>
             </a:r>
           </a:p>
           <a:p>
             <a:pPr lvl="1"/>
             <a:r>
-              <a:rPr lang="es-ES" smtClean="0"/>
+              <a:rPr lang="es-ES"/>
               <a:t>Segundo nivel</a:t>
             </a:r>
           </a:p>
           <a:p>
             <a:pPr lvl="2"/>
             <a:r>
-              <a:rPr lang="es-ES" smtClean="0"/>
+              <a:rPr lang="es-ES"/>
               <a:t>Tercer nivel</a:t>
             </a:r>
           </a:p>
           <a:p>
             <a:pPr lvl="3"/>
             <a:r>
-              <a:rPr lang="es-ES" smtClean="0"/>
+              <a:rPr lang="es-ES"/>
               <a:t>Cuarto nivel</a:t>
             </a:r>
           </a:p>
           <a:p>
             <a:pPr lvl="4"/>
             <a:r>
-              <a:rPr lang="es-ES" smtClean="0"/>
+              <a:rPr lang="es-ES"/>
               <a:t>Quinto nivel</a:t>
             </a:r>
             <a:endParaRPr lang="es-CO"/>
@@ -2577,7 +2569,7 @@
           <a:p>
             <a:fld id="{15D4CB62-A32C-4F30-AA63-C822D98B8B3C}" type="datetimeFigureOut">
               <a:rPr lang="es-CO" smtClean="0"/>
-              <a:t>7/02/2020</a:t>
+              <a:t>23/02/21</a:t>
             </a:fld>
             <a:endParaRPr lang="es-CO"/>
           </a:p>
@@ -2655,7 +2647,7 @@
           <a:p>
             <a:fld id="{DE2C0B9E-2A74-4B98-A0D8-7621D9B9AA01}" type="slidenum">
               <a:rPr lang="es-CO" smtClean="0"/>
-              <a:t>‹Nº›</a:t>
+              <a:t>‹#›</a:t>
             </a:fld>
             <a:endParaRPr lang="es-CO"/>
           </a:p>
@@ -3005,10 +2997,9 @@
           <a:lstStyle/>
           <a:p>
             <a:r>
-              <a:rPr lang="es-CO" dirty="0" smtClean="0"/>
+              <a:rPr lang="es-CO" dirty="0"/>
               <a:t>Modelación, Simulación y Control de Fenómenos Complejos</a:t>
             </a:r>
-            <a:endParaRPr lang="es-CO" dirty="0"/>
           </a:p>
         </p:txBody>
       </p:sp>
@@ -3082,740 +3073,6 @@
   <p:clrMapOvr>
     <a:masterClrMapping/>
   </p:clrMapOvr>
-  <p:timing>
-    <p:tnLst>
-      <p:par>
-        <p:cTn id="1" dur="indefinite" restart="never" nodeType="tmRoot"/>
-      </p:par>
-    </p:tnLst>
-  </p:timing>
-</p:sld>
-</file>
-
-<file path=ppt/slides/slide10.xml><?xml version="1.0" encoding="utf-8"?>
-<p:sld xmlns:a="http://schemas.openxmlformats.org/drawingml/2006/main" xmlns:r="http://schemas.openxmlformats.org/officeDocument/2006/relationships" xmlns:p="http://schemas.openxmlformats.org/presentationml/2006/main">
-  <p:cSld>
-    <p:spTree>
-      <p:nvGrpSpPr>
-        <p:cNvPr id="1" name=""/>
-        <p:cNvGrpSpPr/>
-        <p:nvPr/>
-      </p:nvGrpSpPr>
-      <p:grpSpPr>
-        <a:xfrm>
-          <a:off x="0" y="0"/>
-          <a:ext cx="0" cy="0"/>
-          <a:chOff x="0" y="0"/>
-          <a:chExt cx="0" cy="0"/>
-        </a:xfrm>
-      </p:grpSpPr>
-      <p:sp>
-        <p:nvSpPr>
-          <p:cNvPr id="2" name="Título 1"/>
-          <p:cNvSpPr>
-            <a:spLocks noGrp="1"/>
-          </p:cNvSpPr>
-          <p:nvPr>
-            <p:ph type="title"/>
-          </p:nvPr>
-        </p:nvSpPr>
-        <p:spPr/>
-        <p:txBody>
-          <a:bodyPr/>
-          <a:lstStyle/>
-          <a:p>
-            <a:r>
-              <a:rPr lang="es-CO" dirty="0" smtClean="0"/>
-              <a:t>¿Cómo surge la división del trabajo?</a:t>
-            </a:r>
-            <a:endParaRPr lang="es-CO" dirty="0"/>
-          </a:p>
-        </p:txBody>
-      </p:sp>
-      <p:pic>
-        <p:nvPicPr>
-          <p:cNvPr id="4" name="Imagen 3"/>
-          <p:cNvPicPr>
-            <a:picLocks noChangeAspect="1"/>
-          </p:cNvPicPr>
-          <p:nvPr/>
-        </p:nvPicPr>
-        <p:blipFill>
-          <a:blip r:embed="rId2">
-            <a:extLst>
-              <a:ext uri="{28A0092B-C50C-407E-A947-70E740481C1C}">
-                <a14:useLocalDpi xmlns:a14="http://schemas.microsoft.com/office/drawing/2010/main" val="0"/>
-              </a:ext>
-            </a:extLst>
-          </a:blip>
-          <a:stretch>
-            <a:fillRect/>
-          </a:stretch>
-        </p:blipFill>
-        <p:spPr>
-          <a:xfrm>
-            <a:off x="771782" y="1580500"/>
-            <a:ext cx="5307742" cy="5000373"/>
-          </a:xfrm>
-          <a:prstGeom prst="rect">
-            <a:avLst/>
-          </a:prstGeom>
-        </p:spPr>
-      </p:pic>
-      <p:pic>
-        <p:nvPicPr>
-          <p:cNvPr id="5" name="Imagen 4"/>
-          <p:cNvPicPr>
-            <a:picLocks noChangeAspect="1"/>
-          </p:cNvPicPr>
-          <p:nvPr/>
-        </p:nvPicPr>
-        <p:blipFill>
-          <a:blip r:embed="rId3">
-            <a:extLst>
-              <a:ext uri="{28A0092B-C50C-407E-A947-70E740481C1C}">
-                <a14:useLocalDpi xmlns:a14="http://schemas.microsoft.com/office/drawing/2010/main" val="0"/>
-              </a:ext>
-            </a:extLst>
-          </a:blip>
-          <a:stretch>
-            <a:fillRect/>
-          </a:stretch>
-        </p:blipFill>
-        <p:spPr>
-          <a:xfrm>
-            <a:off x="6648661" y="1580500"/>
-            <a:ext cx="4970679" cy="4415738"/>
-          </a:xfrm>
-          <a:prstGeom prst="rect">
-            <a:avLst/>
-          </a:prstGeom>
-        </p:spPr>
-      </p:pic>
-      <p:cxnSp>
-        <p:nvCxnSpPr>
-          <p:cNvPr id="7" name="Conector recto 6"/>
-          <p:cNvCxnSpPr/>
-          <p:nvPr/>
-        </p:nvCxnSpPr>
-        <p:spPr>
-          <a:xfrm flipH="1">
-            <a:off x="6186616" y="1580500"/>
-            <a:ext cx="13321" cy="5075673"/>
-          </a:xfrm>
-          <a:prstGeom prst="line">
-            <a:avLst/>
-          </a:prstGeom>
-          <a:ln w="28575">
-            <a:solidFill>
-              <a:schemeClr val="tx1"/>
-            </a:solidFill>
-          </a:ln>
-        </p:spPr>
-        <p:style>
-          <a:lnRef idx="1">
-            <a:schemeClr val="accent1"/>
-          </a:lnRef>
-          <a:fillRef idx="0">
-            <a:schemeClr val="accent1"/>
-          </a:fillRef>
-          <a:effectRef idx="0">
-            <a:schemeClr val="accent1"/>
-          </a:effectRef>
-          <a:fontRef idx="minor">
-            <a:schemeClr val="tx1"/>
-          </a:fontRef>
-        </p:style>
-      </p:cxnSp>
-    </p:spTree>
-    <p:extLst>
-      <p:ext uri="{BB962C8B-B14F-4D97-AF65-F5344CB8AC3E}">
-        <p14:creationId xmlns:p14="http://schemas.microsoft.com/office/powerpoint/2010/main" val="1881494390"/>
-      </p:ext>
-    </p:extLst>
-  </p:cSld>
-  <p:clrMapOvr>
-    <a:masterClrMapping/>
-  </p:clrMapOvr>
-  <p:timing>
-    <p:tnLst>
-      <p:par>
-        <p:cTn id="1" dur="indefinite" restart="never" nodeType="tmRoot"/>
-      </p:par>
-    </p:tnLst>
-  </p:timing>
-</p:sld>
-</file>
-
-<file path=ppt/slides/slide11.xml><?xml version="1.0" encoding="utf-8"?>
-<p:sld xmlns:a="http://schemas.openxmlformats.org/drawingml/2006/main" xmlns:r="http://schemas.openxmlformats.org/officeDocument/2006/relationships" xmlns:p="http://schemas.openxmlformats.org/presentationml/2006/main">
-  <p:cSld>
-    <p:spTree>
-      <p:nvGrpSpPr>
-        <p:cNvPr id="1" name=""/>
-        <p:cNvGrpSpPr/>
-        <p:nvPr/>
-      </p:nvGrpSpPr>
-      <p:grpSpPr>
-        <a:xfrm>
-          <a:off x="0" y="0"/>
-          <a:ext cx="0" cy="0"/>
-          <a:chOff x="0" y="0"/>
-          <a:chExt cx="0" cy="0"/>
-        </a:xfrm>
-      </p:grpSpPr>
-      <p:sp>
-        <p:nvSpPr>
-          <p:cNvPr id="2" name="Título 1"/>
-          <p:cNvSpPr>
-            <a:spLocks noGrp="1"/>
-          </p:cNvSpPr>
-          <p:nvPr>
-            <p:ph type="title"/>
-          </p:nvPr>
-        </p:nvSpPr>
-        <p:spPr/>
-        <p:txBody>
-          <a:bodyPr/>
-          <a:lstStyle/>
-          <a:p>
-            <a:r>
-              <a:rPr lang="es-CO" dirty="0" smtClean="0"/>
-              <a:t>Heurísticas de racionalidad acotada</a:t>
-            </a:r>
-            <a:endParaRPr lang="es-CO" dirty="0"/>
-          </a:p>
-        </p:txBody>
-      </p:sp>
-      <p:pic>
-        <p:nvPicPr>
-          <p:cNvPr id="3" name="Imagen 2"/>
-          <p:cNvPicPr>
-            <a:picLocks noChangeAspect="1"/>
-          </p:cNvPicPr>
-          <p:nvPr/>
-        </p:nvPicPr>
-        <p:blipFill>
-          <a:blip r:embed="rId2" cstate="print">
-            <a:extLst>
-              <a:ext uri="{28A0092B-C50C-407E-A947-70E740481C1C}">
-                <a14:useLocalDpi xmlns:a14="http://schemas.microsoft.com/office/drawing/2010/main" val="0"/>
-              </a:ext>
-            </a:extLst>
-          </a:blip>
-          <a:stretch>
-            <a:fillRect/>
-          </a:stretch>
-        </p:blipFill>
-        <p:spPr>
-          <a:xfrm>
-            <a:off x="7294558" y="1429431"/>
-            <a:ext cx="1045454" cy="1045454"/>
-          </a:xfrm>
-          <a:prstGeom prst="rect">
-            <a:avLst/>
-          </a:prstGeom>
-        </p:spPr>
-      </p:pic>
-      <p:pic>
-        <p:nvPicPr>
-          <p:cNvPr id="4" name="Imagen 3"/>
-          <p:cNvPicPr>
-            <a:picLocks noChangeAspect="1"/>
-          </p:cNvPicPr>
-          <p:nvPr/>
-        </p:nvPicPr>
-        <p:blipFill>
-          <a:blip r:embed="rId3" cstate="print">
-            <a:extLst>
-              <a:ext uri="{28A0092B-C50C-407E-A947-70E740481C1C}">
-                <a14:useLocalDpi xmlns:a14="http://schemas.microsoft.com/office/drawing/2010/main" val="0"/>
-              </a:ext>
-            </a:extLst>
-          </a:blip>
-          <a:stretch>
-            <a:fillRect/>
-          </a:stretch>
-        </p:blipFill>
-        <p:spPr>
-          <a:xfrm>
-            <a:off x="7294557" y="2754994"/>
-            <a:ext cx="1045454" cy="1045454"/>
-          </a:xfrm>
-          <a:prstGeom prst="rect">
-            <a:avLst/>
-          </a:prstGeom>
-        </p:spPr>
-      </p:pic>
-      <p:pic>
-        <p:nvPicPr>
-          <p:cNvPr id="5" name="Imagen 4"/>
-          <p:cNvPicPr>
-            <a:picLocks noChangeAspect="1"/>
-          </p:cNvPicPr>
-          <p:nvPr/>
-        </p:nvPicPr>
-        <p:blipFill>
-          <a:blip r:embed="rId4" cstate="print">
-            <a:extLst>
-              <a:ext uri="{28A0092B-C50C-407E-A947-70E740481C1C}">
-                <a14:useLocalDpi xmlns:a14="http://schemas.microsoft.com/office/drawing/2010/main" val="0"/>
-              </a:ext>
-            </a:extLst>
-          </a:blip>
-          <a:stretch>
-            <a:fillRect/>
-          </a:stretch>
-        </p:blipFill>
-        <p:spPr>
-          <a:xfrm>
-            <a:off x="7294557" y="4080557"/>
-            <a:ext cx="1045454" cy="1045454"/>
-          </a:xfrm>
-          <a:prstGeom prst="rect">
-            <a:avLst/>
-          </a:prstGeom>
-        </p:spPr>
-      </p:pic>
-      <p:sp>
-        <p:nvSpPr>
-          <p:cNvPr id="6" name="CuadroTexto 5"/>
-          <p:cNvSpPr txBox="1"/>
-          <p:nvPr/>
-        </p:nvSpPr>
-        <p:spPr>
-          <a:xfrm rot="5400000">
-            <a:off x="7716603" y="5321642"/>
-            <a:ext cx="538930" cy="707886"/>
-          </a:xfrm>
-          <a:prstGeom prst="rect">
-            <a:avLst/>
-          </a:prstGeom>
-          <a:noFill/>
-        </p:spPr>
-        <p:txBody>
-          <a:bodyPr wrap="none" rtlCol="0">
-            <a:spAutoFit/>
-          </a:bodyPr>
-          <a:lstStyle/>
-          <a:p>
-            <a:r>
-              <a:rPr lang="es-CO" sz="4000" dirty="0" smtClean="0"/>
-              <a:t>…</a:t>
-            </a:r>
-            <a:endParaRPr lang="es-CO" sz="4000" dirty="0"/>
-          </a:p>
-        </p:txBody>
-      </p:sp>
-      <p:pic>
-        <p:nvPicPr>
-          <p:cNvPr id="7" name="Imagen 6"/>
-          <p:cNvPicPr>
-            <a:picLocks noChangeAspect="1"/>
-          </p:cNvPicPr>
-          <p:nvPr/>
-        </p:nvPicPr>
-        <p:blipFill>
-          <a:blip r:embed="rId5"/>
-          <a:stretch>
-            <a:fillRect/>
-          </a:stretch>
-        </p:blipFill>
-        <p:spPr>
-          <a:xfrm>
-            <a:off x="5133974" y="1952158"/>
-            <a:ext cx="1924051" cy="2769345"/>
-          </a:xfrm>
-          <a:prstGeom prst="rect">
-            <a:avLst/>
-          </a:prstGeom>
-        </p:spPr>
-      </p:pic>
-      <p:sp>
-        <p:nvSpPr>
-          <p:cNvPr id="9" name="Rectángulo 8"/>
-          <p:cNvSpPr/>
-          <p:nvPr/>
-        </p:nvSpPr>
-        <p:spPr>
-          <a:xfrm>
-            <a:off x="3815089" y="2820106"/>
-            <a:ext cx="1082352" cy="1033447"/>
-          </a:xfrm>
-          <a:prstGeom prst="rect">
-            <a:avLst/>
-          </a:prstGeom>
-        </p:spPr>
-        <p:style>
-          <a:lnRef idx="2">
-            <a:schemeClr val="accent1">
-              <a:shade val="50000"/>
-            </a:schemeClr>
-          </a:lnRef>
-          <a:fillRef idx="1">
-            <a:schemeClr val="accent1"/>
-          </a:fillRef>
-          <a:effectRef idx="0">
-            <a:schemeClr val="accent1"/>
-          </a:effectRef>
-          <a:fontRef idx="minor">
-            <a:schemeClr val="lt1"/>
-          </a:fontRef>
-        </p:style>
-        <p:txBody>
-          <a:bodyPr rtlCol="0" anchor="ctr"/>
-          <a:lstStyle/>
-          <a:p>
-            <a:pPr algn="ctr"/>
-            <a:endParaRPr lang="es-CO"/>
-          </a:p>
-        </p:txBody>
-      </p:sp>
-    </p:spTree>
-    <p:extLst>
-      <p:ext uri="{BB962C8B-B14F-4D97-AF65-F5344CB8AC3E}">
-        <p14:creationId xmlns:p14="http://schemas.microsoft.com/office/powerpoint/2010/main" val="1923727549"/>
-      </p:ext>
-    </p:extLst>
-  </p:cSld>
-  <p:clrMapOvr>
-    <a:masterClrMapping/>
-  </p:clrMapOvr>
-  <p:timing>
-    <p:tnLst>
-      <p:par>
-        <p:cTn id="1" dur="indefinite" restart="never" nodeType="tmRoot"/>
-      </p:par>
-    </p:tnLst>
-  </p:timing>
-</p:sld>
-</file>
-
-<file path=ppt/slides/slide12.xml><?xml version="1.0" encoding="utf-8"?>
-<p:sld xmlns:a="http://schemas.openxmlformats.org/drawingml/2006/main" xmlns:r="http://schemas.openxmlformats.org/officeDocument/2006/relationships" xmlns:p="http://schemas.openxmlformats.org/presentationml/2006/main">
-  <p:cSld>
-    <p:spTree>
-      <p:nvGrpSpPr>
-        <p:cNvPr id="1" name=""/>
-        <p:cNvGrpSpPr/>
-        <p:nvPr/>
-      </p:nvGrpSpPr>
-      <p:grpSpPr>
-        <a:xfrm>
-          <a:off x="0" y="0"/>
-          <a:ext cx="0" cy="0"/>
-          <a:chOff x="0" y="0"/>
-          <a:chExt cx="0" cy="0"/>
-        </a:xfrm>
-      </p:grpSpPr>
-      <p:sp>
-        <p:nvSpPr>
-          <p:cNvPr id="2" name="Título 1"/>
-          <p:cNvSpPr>
-            <a:spLocks noGrp="1"/>
-          </p:cNvSpPr>
-          <p:nvPr>
-            <p:ph type="title"/>
-          </p:nvPr>
-        </p:nvSpPr>
-        <p:spPr/>
-        <p:txBody>
-          <a:bodyPr/>
-          <a:lstStyle/>
-          <a:p>
-            <a:r>
-              <a:rPr lang="es-CO" dirty="0" smtClean="0"/>
-              <a:t>Heurísticas de racionalidad acotada</a:t>
-            </a:r>
-            <a:endParaRPr lang="es-CO" dirty="0"/>
-          </a:p>
-        </p:txBody>
-      </p:sp>
-      <p:sp>
-        <p:nvSpPr>
-          <p:cNvPr id="10" name="CuadroTexto 9"/>
-          <p:cNvSpPr txBox="1"/>
-          <p:nvPr/>
-        </p:nvSpPr>
-        <p:spPr>
-          <a:xfrm>
-            <a:off x="3718661" y="2023769"/>
-            <a:ext cx="3864712" cy="523220"/>
-          </a:xfrm>
-          <a:prstGeom prst="rect">
-            <a:avLst/>
-          </a:prstGeom>
-          <a:noFill/>
-        </p:spPr>
-        <p:txBody>
-          <a:bodyPr wrap="none" rtlCol="0">
-            <a:spAutoFit/>
-          </a:bodyPr>
-          <a:lstStyle/>
-          <a:p>
-            <a:r>
-              <a:rPr lang="es-CO" sz="2800" dirty="0" smtClean="0"/>
-              <a:t>STATE = (Región, Puntaje)</a:t>
-            </a:r>
-            <a:endParaRPr lang="es-CO" sz="2800" dirty="0"/>
-          </a:p>
-        </p:txBody>
-      </p:sp>
-      <p:sp>
-        <p:nvSpPr>
-          <p:cNvPr id="11" name="CuadroTexto 10"/>
-          <p:cNvSpPr txBox="1"/>
-          <p:nvPr/>
-        </p:nvSpPr>
-        <p:spPr>
-          <a:xfrm>
-            <a:off x="3925930" y="1557358"/>
-            <a:ext cx="3450175" cy="584775"/>
-          </a:xfrm>
-          <a:prstGeom prst="rect">
-            <a:avLst/>
-          </a:prstGeom>
-          <a:noFill/>
-        </p:spPr>
-        <p:txBody>
-          <a:bodyPr wrap="none" rtlCol="0">
-            <a:spAutoFit/>
-          </a:bodyPr>
-          <a:lstStyle/>
-          <a:p>
-            <a:r>
-              <a:rPr lang="es-CO" sz="3200" dirty="0" err="1" smtClean="0"/>
-              <a:t>Win</a:t>
-            </a:r>
-            <a:r>
-              <a:rPr lang="es-CO" sz="3200" dirty="0" smtClean="0"/>
-              <a:t>-</a:t>
-            </a:r>
-            <a:r>
-              <a:rPr lang="es-CO" sz="3200" dirty="0" err="1" smtClean="0"/>
-              <a:t>Stay</a:t>
-            </a:r>
-            <a:r>
-              <a:rPr lang="es-CO" sz="3200" dirty="0" smtClean="0"/>
-              <a:t>-Lose-</a:t>
-            </a:r>
-            <a:r>
-              <a:rPr lang="es-CO" sz="3200" dirty="0" err="1" smtClean="0"/>
-              <a:t>Shift</a:t>
-            </a:r>
-            <a:endParaRPr lang="es-CO" sz="3200" dirty="0"/>
-          </a:p>
-        </p:txBody>
-      </p:sp>
-      <p:pic>
-        <p:nvPicPr>
-          <p:cNvPr id="12" name="Imagen 11"/>
-          <p:cNvPicPr>
-            <a:picLocks noChangeAspect="1"/>
-          </p:cNvPicPr>
-          <p:nvPr/>
-        </p:nvPicPr>
-        <p:blipFill>
-          <a:blip r:embed="rId2"/>
-          <a:stretch>
-            <a:fillRect/>
-          </a:stretch>
-        </p:blipFill>
-        <p:spPr>
-          <a:xfrm>
-            <a:off x="0" y="2684775"/>
-            <a:ext cx="12192000" cy="3709135"/>
-          </a:xfrm>
-          <a:prstGeom prst="rect">
-            <a:avLst/>
-          </a:prstGeom>
-        </p:spPr>
-      </p:pic>
-    </p:spTree>
-    <p:extLst>
-      <p:ext uri="{BB962C8B-B14F-4D97-AF65-F5344CB8AC3E}">
-        <p14:creationId xmlns:p14="http://schemas.microsoft.com/office/powerpoint/2010/main" val="2497598670"/>
-      </p:ext>
-    </p:extLst>
-  </p:cSld>
-  <p:clrMapOvr>
-    <a:masterClrMapping/>
-  </p:clrMapOvr>
-  <p:timing>
-    <p:tnLst>
-      <p:par>
-        <p:cTn id="1" dur="indefinite" restart="never" nodeType="tmRoot"/>
-      </p:par>
-    </p:tnLst>
-  </p:timing>
-</p:sld>
-</file>
-
-<file path=ppt/slides/slide13.xml><?xml version="1.0" encoding="utf-8"?>
-<p:sld xmlns:a="http://schemas.openxmlformats.org/drawingml/2006/main" xmlns:r="http://schemas.openxmlformats.org/officeDocument/2006/relationships" xmlns:p="http://schemas.openxmlformats.org/presentationml/2006/main">
-  <p:cSld>
-    <p:spTree>
-      <p:nvGrpSpPr>
-        <p:cNvPr id="1" name=""/>
-        <p:cNvGrpSpPr/>
-        <p:nvPr/>
-      </p:nvGrpSpPr>
-      <p:grpSpPr>
-        <a:xfrm>
-          <a:off x="0" y="0"/>
-          <a:ext cx="0" cy="0"/>
-          <a:chOff x="0" y="0"/>
-          <a:chExt cx="0" cy="0"/>
-        </a:xfrm>
-      </p:grpSpPr>
-      <p:sp>
-        <p:nvSpPr>
-          <p:cNvPr id="2" name="Título 1"/>
-          <p:cNvSpPr>
-            <a:spLocks noGrp="1"/>
-          </p:cNvSpPr>
-          <p:nvPr>
-            <p:ph type="title"/>
-          </p:nvPr>
-        </p:nvSpPr>
-        <p:spPr/>
-        <p:txBody>
-          <a:bodyPr/>
-          <a:lstStyle/>
-          <a:p>
-            <a:r>
-              <a:rPr lang="es-CO" dirty="0" smtClean="0"/>
-              <a:t>Datos conductuales</a:t>
-            </a:r>
-            <a:endParaRPr lang="es-CO" dirty="0"/>
-          </a:p>
-        </p:txBody>
-      </p:sp>
-      <p:pic>
-        <p:nvPicPr>
-          <p:cNvPr id="8" name="Imagen 7"/>
-          <p:cNvPicPr>
-            <a:picLocks noChangeAspect="1"/>
-          </p:cNvPicPr>
-          <p:nvPr/>
-        </p:nvPicPr>
-        <p:blipFill>
-          <a:blip r:embed="rId2"/>
-          <a:stretch>
-            <a:fillRect/>
-          </a:stretch>
-        </p:blipFill>
-        <p:spPr>
-          <a:xfrm>
-            <a:off x="2680438" y="1482443"/>
-            <a:ext cx="6831123" cy="5111946"/>
-          </a:xfrm>
-          <a:prstGeom prst="rect">
-            <a:avLst/>
-          </a:prstGeom>
-        </p:spPr>
-      </p:pic>
-    </p:spTree>
-    <p:extLst>
-      <p:ext uri="{BB962C8B-B14F-4D97-AF65-F5344CB8AC3E}">
-        <p14:creationId xmlns:p14="http://schemas.microsoft.com/office/powerpoint/2010/main" val="1566740742"/>
-      </p:ext>
-    </p:extLst>
-  </p:cSld>
-  <p:clrMapOvr>
-    <a:masterClrMapping/>
-  </p:clrMapOvr>
-  <p:timing>
-    <p:tnLst>
-      <p:par>
-        <p:cTn id="1" dur="indefinite" restart="never" nodeType="tmRoot"/>
-      </p:par>
-    </p:tnLst>
-  </p:timing>
-</p:sld>
-</file>
-
-<file path=ppt/slides/slide14.xml><?xml version="1.0" encoding="utf-8"?>
-<p:sld xmlns:a="http://schemas.openxmlformats.org/drawingml/2006/main" xmlns:r="http://schemas.openxmlformats.org/officeDocument/2006/relationships" xmlns:p="http://schemas.openxmlformats.org/presentationml/2006/main">
-  <p:cSld>
-    <p:spTree>
-      <p:nvGrpSpPr>
-        <p:cNvPr id="1" name=""/>
-        <p:cNvGrpSpPr/>
-        <p:nvPr/>
-      </p:nvGrpSpPr>
-      <p:grpSpPr>
-        <a:xfrm>
-          <a:off x="0" y="0"/>
-          <a:ext cx="0" cy="0"/>
-          <a:chOff x="0" y="0"/>
-          <a:chExt cx="0" cy="0"/>
-        </a:xfrm>
-      </p:grpSpPr>
-      <p:sp>
-        <p:nvSpPr>
-          <p:cNvPr id="2" name="Título 1"/>
-          <p:cNvSpPr>
-            <a:spLocks noGrp="1"/>
-          </p:cNvSpPr>
-          <p:nvPr>
-            <p:ph type="title"/>
-          </p:nvPr>
-        </p:nvSpPr>
-        <p:spPr/>
-        <p:txBody>
-          <a:bodyPr/>
-          <a:lstStyle/>
-          <a:p>
-            <a:r>
-              <a:rPr lang="es-CO" dirty="0" smtClean="0"/>
-              <a:t>Datos conductuales</a:t>
-            </a:r>
-            <a:endParaRPr lang="es-CO" dirty="0"/>
-          </a:p>
-        </p:txBody>
-      </p:sp>
-      <p:pic>
-        <p:nvPicPr>
-          <p:cNvPr id="3" name="Imagen 2"/>
-          <p:cNvPicPr>
-            <a:picLocks noChangeAspect="1"/>
-          </p:cNvPicPr>
-          <p:nvPr/>
-        </p:nvPicPr>
-        <p:blipFill>
-          <a:blip r:embed="rId2"/>
-          <a:stretch>
-            <a:fillRect/>
-          </a:stretch>
-        </p:blipFill>
-        <p:spPr>
-          <a:xfrm>
-            <a:off x="1476952" y="1690688"/>
-            <a:ext cx="9238095" cy="4990476"/>
-          </a:xfrm>
-          <a:prstGeom prst="rect">
-            <a:avLst/>
-          </a:prstGeom>
-        </p:spPr>
-      </p:pic>
-    </p:spTree>
-    <p:extLst>
-      <p:ext uri="{BB962C8B-B14F-4D97-AF65-F5344CB8AC3E}">
-        <p14:creationId xmlns:p14="http://schemas.microsoft.com/office/powerpoint/2010/main" val="3112433783"/>
-      </p:ext>
-    </p:extLst>
-  </p:cSld>
-  <p:clrMapOvr>
-    <a:masterClrMapping/>
-  </p:clrMapOvr>
-  <p:timing>
-    <p:tnLst>
-      <p:par>
-        <p:cTn id="1" dur="indefinite" restart="never" nodeType="tmRoot"/>
-      </p:par>
-    </p:tnLst>
-  </p:timing>
 </p:sld>
 </file>
 
@@ -3852,80 +3109,166 @@
           <a:lstStyle/>
           <a:p>
             <a:r>
-              <a:rPr lang="es-CO" dirty="0" smtClean="0"/>
-              <a:t>Fenómenos complejos (1/3)</a:t>
-            </a:r>
-            <a:endParaRPr lang="es-CO" dirty="0"/>
-          </a:p>
-        </p:txBody>
-      </p:sp>
-      <p:sp>
-        <p:nvSpPr>
-          <p:cNvPr id="3" name="Marcador de contenido 2"/>
-          <p:cNvSpPr>
-            <a:spLocks noGrp="1"/>
-          </p:cNvSpPr>
+              <a:rPr lang="es-CO" dirty="0"/>
+              <a:t>El Farol</a:t>
+            </a:r>
+          </a:p>
+        </p:txBody>
+      </p:sp>
+      <p:pic>
+        <p:nvPicPr>
+          <p:cNvPr id="4" name="Marcador de contenido 3"/>
+          <p:cNvPicPr>
+            <a:picLocks noGrp="1" noChangeAspect="1"/>
+          </p:cNvPicPr>
           <p:nvPr>
             <p:ph idx="1"/>
           </p:nvPr>
-        </p:nvSpPr>
-        <p:spPr/>
-        <p:txBody>
-          <a:bodyPr/>
-          <a:lstStyle/>
-          <a:p>
-            <a:r>
-              <a:rPr lang="es-CO" dirty="0" smtClean="0"/>
-              <a:t>Juego de la vida: </a:t>
-            </a:r>
-          </a:p>
-          <a:p>
-            <a:pPr lvl="1"/>
-            <a:r>
-              <a:rPr lang="en-US" dirty="0"/>
-              <a:t>Any live cell with two or three neighbors survives.</a:t>
-            </a:r>
-          </a:p>
-          <a:p>
-            <a:pPr lvl="1"/>
-            <a:r>
-              <a:rPr lang="en-US" dirty="0"/>
-              <a:t>Any dead cell with three live neighbors becomes a live cell.</a:t>
-            </a:r>
-          </a:p>
-          <a:p>
-            <a:pPr lvl="1"/>
-            <a:r>
-              <a:rPr lang="en-US" dirty="0"/>
-              <a:t>All other live cells die in the next generation. Similarly, all other dead cells stay dead</a:t>
-            </a:r>
-            <a:r>
-              <a:rPr lang="en-US" dirty="0" smtClean="0"/>
-              <a:t>.</a:t>
-            </a:r>
-          </a:p>
-          <a:p>
-            <a:pPr lvl="1"/>
-            <a:r>
-              <a:rPr lang="es-CO" dirty="0">
-                <a:hlinkClick r:id="rId2"/>
-              </a:rPr>
-              <a:t>https://bitstorm.org/gameoflife</a:t>
-            </a:r>
-            <a:r>
-              <a:rPr lang="es-CO" dirty="0" smtClean="0">
-                <a:hlinkClick r:id="rId2"/>
-              </a:rPr>
-              <a:t>/</a:t>
-            </a:r>
-            <a:endParaRPr lang="es-CO" dirty="0" smtClean="0"/>
+        </p:nvPicPr>
+        <p:blipFill>
+          <a:blip r:embed="rId2">
+            <a:extLst>
+              <a:ext uri="{28A0092B-C50C-407E-A947-70E740481C1C}">
+                <a14:useLocalDpi xmlns:a14="http://schemas.microsoft.com/office/drawing/2010/main" val="0"/>
+              </a:ext>
+            </a:extLst>
+          </a:blip>
+          <a:stretch>
+            <a:fillRect/>
+          </a:stretch>
+        </p:blipFill>
+        <p:spPr>
+          <a:xfrm>
+            <a:off x="838200" y="2275576"/>
+            <a:ext cx="6781800" cy="2746629"/>
+          </a:xfrm>
+        </p:spPr>
+      </p:pic>
+      <p:sp>
+        <p:nvSpPr>
+          <p:cNvPr id="5" name="CuadroTexto 4"/>
+          <p:cNvSpPr txBox="1"/>
+          <p:nvPr/>
+        </p:nvSpPr>
+        <p:spPr>
+          <a:xfrm>
+            <a:off x="7974227" y="1690687"/>
+            <a:ext cx="3297195" cy="4832092"/>
+          </a:xfrm>
+          <a:prstGeom prst="rect">
+            <a:avLst/>
+          </a:prstGeom>
+          <a:noFill/>
+        </p:spPr>
+        <p:txBody>
+          <a:bodyPr wrap="square" rtlCol="0">
+            <a:spAutoFit/>
+          </a:bodyPr>
+          <a:lstStyle/>
+          <a:p>
+            <a:r>
+              <a:rPr lang="en-US" sz="2800" dirty="0"/>
+              <a:t>100</a:t>
+            </a:r>
+            <a:r>
+              <a:rPr lang="en-US" sz="2800" i="1" dirty="0"/>
+              <a:t> </a:t>
+            </a:r>
+            <a:r>
+              <a:rPr lang="en-US" sz="2800" dirty="0"/>
+              <a:t>personas </a:t>
+            </a:r>
+            <a:r>
+              <a:rPr lang="en-US" sz="2800" dirty="0" err="1"/>
+              <a:t>deciden</a:t>
+            </a:r>
+            <a:r>
+              <a:rPr lang="en-US" sz="2800" dirty="0"/>
+              <a:t> </a:t>
+            </a:r>
+            <a:r>
+              <a:rPr lang="en-US" sz="2800" dirty="0" err="1"/>
+              <a:t>ir</a:t>
+            </a:r>
+            <a:r>
+              <a:rPr lang="en-US" sz="2800" dirty="0"/>
+              <a:t> o no al bar de </a:t>
+            </a:r>
+            <a:r>
+              <a:rPr lang="en-US" sz="2800" dirty="0" err="1"/>
+              <a:t>manera</a:t>
+            </a:r>
+            <a:r>
+              <a:rPr lang="en-US" sz="2800" dirty="0"/>
+              <a:t> </a:t>
+            </a:r>
+            <a:r>
+              <a:rPr lang="en-US" sz="2800" dirty="0" err="1"/>
+              <a:t>independiente</a:t>
+            </a:r>
+            <a:r>
+              <a:rPr lang="en-US" sz="2800" dirty="0"/>
+              <a:t> y sin </a:t>
+            </a:r>
+            <a:r>
+              <a:rPr lang="en-US" sz="2800" dirty="0" err="1"/>
+              <a:t>comunicación</a:t>
+            </a:r>
+            <a:r>
+              <a:rPr lang="en-US" sz="2800" dirty="0"/>
+              <a:t>. El </a:t>
+            </a:r>
+            <a:r>
+              <a:rPr lang="en-US" sz="2800" dirty="0" err="1"/>
+              <a:t>espacio</a:t>
+            </a:r>
+            <a:r>
+              <a:rPr lang="en-US" sz="2800" dirty="0"/>
+              <a:t> es </a:t>
+            </a:r>
+            <a:r>
+              <a:rPr lang="en-US" sz="2800" dirty="0" err="1"/>
+              <a:t>limitado</a:t>
+            </a:r>
+            <a:r>
+              <a:rPr lang="en-US" sz="2800" dirty="0"/>
+              <a:t> y el bar solo es </a:t>
+            </a:r>
+            <a:r>
+              <a:rPr lang="en-US" sz="2800" dirty="0" err="1"/>
+              <a:t>agradable</a:t>
+            </a:r>
+            <a:r>
+              <a:rPr lang="en-US" sz="2800" dirty="0"/>
+              <a:t> </a:t>
+            </a:r>
+            <a:r>
+              <a:rPr lang="en-US" sz="2800" dirty="0" err="1"/>
+              <a:t>cuando</a:t>
+            </a:r>
+            <a:r>
+              <a:rPr lang="en-US" sz="2800" dirty="0"/>
+              <a:t> </a:t>
+            </a:r>
+            <a:r>
+              <a:rPr lang="en-US" sz="2800" dirty="0" err="1"/>
+              <a:t>menos</a:t>
+            </a:r>
+            <a:r>
+              <a:rPr lang="en-US" sz="2800" dirty="0"/>
+              <a:t> del 60% de las </a:t>
+            </a:r>
+            <a:r>
+              <a:rPr lang="es-CO" sz="2800" dirty="0"/>
+              <a:t>100 personas llegan a él.</a:t>
+            </a:r>
           </a:p>
         </p:txBody>
       </p:sp>
     </p:spTree>
     <p:extLst>
       <p:ext uri="{BB962C8B-B14F-4D97-AF65-F5344CB8AC3E}">
-        <p14:creationId xmlns:p14="http://schemas.microsoft.com/office/powerpoint/2010/main" val="1919142704"/>
+        <p14:creationId xmlns:p14="http://schemas.microsoft.com/office/powerpoint/2010/main" val="1929192929"/>
       </p:ext>
     </p:extLst>
   </p:cSld>
@@ -3968,526 +3311,9 @@
           <a:lstStyle/>
           <a:p>
             <a:r>
-              <a:rPr lang="es-CO" dirty="0" smtClean="0"/>
-              <a:t>Fenómenos complejos (2/3)</a:t>
-            </a:r>
-            <a:endParaRPr lang="es-CO" dirty="0"/>
-          </a:p>
-        </p:txBody>
-      </p:sp>
-      <p:sp>
-        <p:nvSpPr>
-          <p:cNvPr id="3" name="Marcador de contenido 2"/>
-          <p:cNvSpPr>
-            <a:spLocks noGrp="1"/>
-          </p:cNvSpPr>
-          <p:nvPr>
-            <p:ph idx="1"/>
-          </p:nvPr>
-        </p:nvSpPr>
-        <p:spPr/>
-        <p:txBody>
-          <a:bodyPr/>
-          <a:lstStyle/>
-          <a:p>
-            <a:r>
-              <a:rPr lang="es-CO" dirty="0" smtClean="0"/>
-              <a:t>Segregación racial: </a:t>
-            </a:r>
-          </a:p>
-          <a:p>
-            <a:pPr lvl="1"/>
-            <a:r>
-              <a:rPr lang="en-US" dirty="0"/>
-              <a:t>T</a:t>
-            </a:r>
-            <a:r>
-              <a:rPr lang="en-US" dirty="0" smtClean="0"/>
-              <a:t>wo </a:t>
-            </a:r>
-            <a:r>
-              <a:rPr lang="en-US" dirty="0"/>
-              <a:t>types of agents: X and </a:t>
-            </a:r>
-            <a:r>
-              <a:rPr lang="en-US" dirty="0" smtClean="0"/>
-              <a:t>O (might </a:t>
-            </a:r>
-            <a:r>
-              <a:rPr lang="en-US" dirty="0"/>
-              <a:t>represent different races, ethnicity, economic status, </a:t>
-            </a:r>
-            <a:r>
-              <a:rPr lang="en-US" dirty="0" smtClean="0"/>
-              <a:t>etc.)</a:t>
-            </a:r>
-            <a:endParaRPr lang="en-US" dirty="0"/>
-          </a:p>
-          <a:p>
-            <a:pPr lvl="1"/>
-            <a:r>
-              <a:rPr lang="en-US" dirty="0"/>
-              <a:t> A </a:t>
-            </a:r>
-            <a:r>
-              <a:rPr lang="en-US" b="1" dirty="0"/>
-              <a:t>satisfied</a:t>
-            </a:r>
-            <a:r>
-              <a:rPr lang="en-US" dirty="0"/>
-              <a:t> agent is one that is surrounded by at least </a:t>
-            </a:r>
-            <a:r>
-              <a:rPr lang="en-US" i="1" dirty="0"/>
-              <a:t>t</a:t>
-            </a:r>
-            <a:r>
-              <a:rPr lang="en-US" dirty="0"/>
-              <a:t> percent of agents that are like itself</a:t>
-            </a:r>
-            <a:r>
-              <a:rPr lang="en-US" dirty="0" smtClean="0"/>
-              <a:t>.</a:t>
-            </a:r>
-          </a:p>
-          <a:p>
-            <a:pPr lvl="1"/>
-            <a:r>
-              <a:rPr lang="en-US" dirty="0"/>
-              <a:t>When an agent is not satisfied, it can be moved to any vacant location in the grid.</a:t>
-            </a:r>
-            <a:endParaRPr lang="en-US" dirty="0" smtClean="0"/>
-          </a:p>
-          <a:p>
-            <a:pPr lvl="1"/>
-            <a:r>
-              <a:rPr lang="es-CO" dirty="0" smtClean="0">
-                <a:hlinkClick r:id="rId2"/>
-              </a:rPr>
-              <a:t>https</a:t>
-            </a:r>
-            <a:r>
-              <a:rPr lang="es-CO" dirty="0">
-                <a:hlinkClick r:id="rId2"/>
-              </a:rPr>
-              <a:t>://</a:t>
-            </a:r>
-            <a:r>
-              <a:rPr lang="es-CO" dirty="0" smtClean="0">
-                <a:hlinkClick r:id="rId2"/>
-              </a:rPr>
-              <a:t>www.youtube.com/watch?v=dnffIS2EJ30</a:t>
-            </a:r>
-            <a:endParaRPr lang="es-CO" dirty="0" smtClean="0"/>
-          </a:p>
-          <a:p>
-            <a:pPr lvl="1"/>
-            <a:r>
-              <a:rPr lang="es-CO" dirty="0">
-                <a:hlinkClick r:id="rId3"/>
-              </a:rPr>
-              <a:t>https://www.youtube.com/watch?v=0p7JC5gEyzM</a:t>
-            </a:r>
-            <a:endParaRPr lang="es-CO" dirty="0" smtClean="0"/>
-          </a:p>
-        </p:txBody>
-      </p:sp>
-    </p:spTree>
-    <p:extLst>
-      <p:ext uri="{BB962C8B-B14F-4D97-AF65-F5344CB8AC3E}">
-        <p14:creationId xmlns:p14="http://schemas.microsoft.com/office/powerpoint/2010/main" val="200147527"/>
-      </p:ext>
-    </p:extLst>
-  </p:cSld>
-  <p:clrMapOvr>
-    <a:masterClrMapping/>
-  </p:clrMapOvr>
-</p:sld>
-</file>
-
-<file path=ppt/slides/slide4.xml><?xml version="1.0" encoding="utf-8"?>
-<p:sld xmlns:a="http://schemas.openxmlformats.org/drawingml/2006/main" xmlns:r="http://schemas.openxmlformats.org/officeDocument/2006/relationships" xmlns:p="http://schemas.openxmlformats.org/presentationml/2006/main">
-  <p:cSld>
-    <p:spTree>
-      <p:nvGrpSpPr>
-        <p:cNvPr id="1" name=""/>
-        <p:cNvGrpSpPr/>
-        <p:nvPr/>
-      </p:nvGrpSpPr>
-      <p:grpSpPr>
-        <a:xfrm>
-          <a:off x="0" y="0"/>
-          <a:ext cx="0" cy="0"/>
-          <a:chOff x="0" y="0"/>
-          <a:chExt cx="0" cy="0"/>
-        </a:xfrm>
-      </p:grpSpPr>
-      <p:sp>
-        <p:nvSpPr>
-          <p:cNvPr id="2" name="Título 1"/>
-          <p:cNvSpPr>
-            <a:spLocks noGrp="1"/>
-          </p:cNvSpPr>
-          <p:nvPr>
-            <p:ph type="title"/>
-          </p:nvPr>
-        </p:nvSpPr>
-        <p:spPr/>
-        <p:txBody>
-          <a:bodyPr/>
-          <a:lstStyle/>
-          <a:p>
-            <a:r>
               <a:rPr lang="es-CO" dirty="0"/>
-              <a:t>Fenómenos complejos </a:t>
-            </a:r>
-            <a:r>
-              <a:rPr lang="es-CO" dirty="0" smtClean="0"/>
-              <a:t>(3/3</a:t>
-            </a:r>
-            <a:r>
-              <a:rPr lang="es-CO" dirty="0"/>
-              <a:t>)</a:t>
-            </a:r>
-          </a:p>
-        </p:txBody>
-      </p:sp>
-      <p:pic>
-        <p:nvPicPr>
-          <p:cNvPr id="1026" name="Picture 2" descr="Resultado de imagen para learning bottlenecks and the evolution of recursive syntax"/>
-          <p:cNvPicPr>
-            <a:picLocks noChangeAspect="1" noChangeArrowheads="1"/>
-          </p:cNvPicPr>
-          <p:nvPr/>
-        </p:nvPicPr>
-        <p:blipFill>
-          <a:blip r:embed="rId2">
-            <a:extLst>
-              <a:ext uri="{28A0092B-C50C-407E-A947-70E740481C1C}">
-                <a14:useLocalDpi xmlns:a14="http://schemas.microsoft.com/office/drawing/2010/main" val="0"/>
-              </a:ext>
-            </a:extLst>
-          </a:blip>
-          <a:srcRect/>
-          <a:stretch>
-            <a:fillRect/>
-          </a:stretch>
-        </p:blipFill>
-        <p:spPr bwMode="auto">
-          <a:xfrm>
-            <a:off x="1080701" y="2168483"/>
-            <a:ext cx="5311861" cy="2814494"/>
-          </a:xfrm>
-          <a:prstGeom prst="rect">
-            <a:avLst/>
-          </a:prstGeom>
-          <a:noFill/>
-          <a:extLst>
-            <a:ext uri="{909E8E84-426E-40DD-AFC4-6F175D3DCCD1}">
-              <a14:hiddenFill xmlns:a14="http://schemas.microsoft.com/office/drawing/2010/main">
-                <a:solidFill>
-                  <a:srgbClr val="FFFFFF"/>
-                </a:solidFill>
-              </a14:hiddenFill>
-            </a:ext>
-          </a:extLst>
-        </p:spPr>
-      </p:pic>
-      <p:pic>
-        <p:nvPicPr>
-          <p:cNvPr id="1028" name="Picture 4" descr="Resultado de imagen para learning bottlenecks and the evolution of recursive syntax"/>
-          <p:cNvPicPr>
-            <a:picLocks noChangeAspect="1" noChangeArrowheads="1"/>
-          </p:cNvPicPr>
-          <p:nvPr/>
-        </p:nvPicPr>
-        <p:blipFill>
-          <a:blip r:embed="rId3">
-            <a:extLst>
-              <a:ext uri="{28A0092B-C50C-407E-A947-70E740481C1C}">
-                <a14:useLocalDpi xmlns:a14="http://schemas.microsoft.com/office/drawing/2010/main" val="0"/>
-              </a:ext>
-            </a:extLst>
-          </a:blip>
-          <a:srcRect/>
-          <a:stretch>
-            <a:fillRect/>
-          </a:stretch>
-        </p:blipFill>
-        <p:spPr bwMode="auto">
-          <a:xfrm>
-            <a:off x="6641285" y="3847070"/>
-            <a:ext cx="4712515" cy="2339547"/>
-          </a:xfrm>
-          <a:prstGeom prst="rect">
-            <a:avLst/>
-          </a:prstGeom>
-          <a:noFill/>
-          <a:extLst>
-            <a:ext uri="{909E8E84-426E-40DD-AFC4-6F175D3DCCD1}">
-              <a14:hiddenFill xmlns:a14="http://schemas.microsoft.com/office/drawing/2010/main">
-                <a:solidFill>
-                  <a:srgbClr val="FFFFFF"/>
-                </a:solidFill>
-              </a14:hiddenFill>
-            </a:ext>
-          </a:extLst>
-        </p:spPr>
-      </p:pic>
-      <p:sp>
-        <p:nvSpPr>
-          <p:cNvPr id="4" name="CuadroTexto 3"/>
-          <p:cNvSpPr txBox="1"/>
-          <p:nvPr/>
-        </p:nvSpPr>
-        <p:spPr>
-          <a:xfrm>
-            <a:off x="7603525" y="1861751"/>
-            <a:ext cx="3336324" cy="1200329"/>
-          </a:xfrm>
-          <a:prstGeom prst="rect">
-            <a:avLst/>
-          </a:prstGeom>
-          <a:noFill/>
-        </p:spPr>
-        <p:txBody>
-          <a:bodyPr wrap="square" rtlCol="0">
-            <a:spAutoFit/>
-          </a:bodyPr>
-          <a:lstStyle/>
-          <a:p>
-            <a:r>
-              <a:rPr lang="es-CO" dirty="0" smtClean="0"/>
-              <a:t>Varias formas gramaticales son copiadas de una generación a otra. Sólo las formas más sencillas de aprender son seleccionadas.</a:t>
-            </a:r>
-            <a:endParaRPr lang="es-CO" dirty="0"/>
-          </a:p>
-        </p:txBody>
-      </p:sp>
-    </p:spTree>
-    <p:extLst>
-      <p:ext uri="{BB962C8B-B14F-4D97-AF65-F5344CB8AC3E}">
-        <p14:creationId xmlns:p14="http://schemas.microsoft.com/office/powerpoint/2010/main" val="399190038"/>
-      </p:ext>
-    </p:extLst>
-  </p:cSld>
-  <p:clrMapOvr>
-    <a:masterClrMapping/>
-  </p:clrMapOvr>
-</p:sld>
-</file>
-
-<file path=ppt/slides/slide5.xml><?xml version="1.0" encoding="utf-8"?>
-<p:sld xmlns:a="http://schemas.openxmlformats.org/drawingml/2006/main" xmlns:r="http://schemas.openxmlformats.org/officeDocument/2006/relationships" xmlns:p="http://schemas.openxmlformats.org/presentationml/2006/main">
-  <p:cSld>
-    <p:spTree>
-      <p:nvGrpSpPr>
-        <p:cNvPr id="1" name=""/>
-        <p:cNvGrpSpPr/>
-        <p:nvPr/>
-      </p:nvGrpSpPr>
-      <p:grpSpPr>
-        <a:xfrm>
-          <a:off x="0" y="0"/>
-          <a:ext cx="0" cy="0"/>
-          <a:chOff x="0" y="0"/>
-          <a:chExt cx="0" cy="0"/>
-        </a:xfrm>
-      </p:grpSpPr>
-      <p:sp>
-        <p:nvSpPr>
-          <p:cNvPr id="2" name="Título 1"/>
-          <p:cNvSpPr>
-            <a:spLocks noGrp="1"/>
-          </p:cNvSpPr>
-          <p:nvPr>
-            <p:ph type="title"/>
-          </p:nvPr>
-        </p:nvSpPr>
-        <p:spPr/>
-        <p:txBody>
-          <a:bodyPr/>
-          <a:lstStyle/>
-          <a:p>
-            <a:r>
-              <a:rPr lang="es-CO" dirty="0" smtClean="0"/>
-              <a:t>El Farol</a:t>
-            </a:r>
-            <a:endParaRPr lang="es-CO" dirty="0"/>
-          </a:p>
-        </p:txBody>
-      </p:sp>
-      <p:pic>
-        <p:nvPicPr>
-          <p:cNvPr id="4" name="Marcador de contenido 3"/>
-          <p:cNvPicPr>
-            <a:picLocks noGrp="1" noChangeAspect="1"/>
-          </p:cNvPicPr>
-          <p:nvPr>
-            <p:ph idx="1"/>
-          </p:nvPr>
-        </p:nvPicPr>
-        <p:blipFill>
-          <a:blip r:embed="rId2">
-            <a:extLst>
-              <a:ext uri="{28A0092B-C50C-407E-A947-70E740481C1C}">
-                <a14:useLocalDpi xmlns:a14="http://schemas.microsoft.com/office/drawing/2010/main" val="0"/>
-              </a:ext>
-            </a:extLst>
-          </a:blip>
-          <a:stretch>
-            <a:fillRect/>
-          </a:stretch>
-        </p:blipFill>
-        <p:spPr>
-          <a:xfrm>
-            <a:off x="838200" y="2275576"/>
-            <a:ext cx="6781800" cy="2746629"/>
-          </a:xfrm>
-        </p:spPr>
-      </p:pic>
-      <p:sp>
-        <p:nvSpPr>
-          <p:cNvPr id="5" name="CuadroTexto 4"/>
-          <p:cNvSpPr txBox="1"/>
-          <p:nvPr/>
-        </p:nvSpPr>
-        <p:spPr>
-          <a:xfrm>
-            <a:off x="7974227" y="1690687"/>
-            <a:ext cx="3297195" cy="3970318"/>
-          </a:xfrm>
-          <a:prstGeom prst="rect">
-            <a:avLst/>
-          </a:prstGeom>
-          <a:noFill/>
-        </p:spPr>
-        <p:txBody>
-          <a:bodyPr wrap="square" rtlCol="0">
-            <a:spAutoFit/>
-          </a:bodyPr>
-          <a:lstStyle/>
-          <a:p>
-            <a:r>
-              <a:rPr lang="en-US" sz="2800" dirty="0" smtClean="0"/>
-              <a:t>100</a:t>
-            </a:r>
-            <a:r>
-              <a:rPr lang="en-US" sz="2800" i="1" dirty="0" smtClean="0"/>
-              <a:t> </a:t>
-            </a:r>
-            <a:r>
-              <a:rPr lang="en-US" sz="2800" dirty="0"/>
-              <a:t>people decide independently each week whether to go to a </a:t>
-            </a:r>
-            <a:r>
-              <a:rPr lang="en-US" sz="2800" dirty="0" smtClean="0"/>
-              <a:t>bar. Space </a:t>
-            </a:r>
-            <a:r>
-              <a:rPr lang="en-US" sz="2800" dirty="0"/>
-              <a:t>is limited, and </a:t>
-            </a:r>
-            <a:r>
-              <a:rPr lang="en-US" sz="2800" dirty="0" smtClean="0"/>
-              <a:t>the evening </a:t>
-            </a:r>
-            <a:r>
-              <a:rPr lang="en-US" sz="2800" dirty="0"/>
-              <a:t>is enjoyable </a:t>
-            </a:r>
-            <a:r>
-              <a:rPr lang="en-US" sz="2800" dirty="0" smtClean="0"/>
-              <a:t>if </a:t>
-            </a:r>
-            <a:r>
-              <a:rPr lang="en-US" sz="2800" dirty="0"/>
-              <a:t>fewer than 60% of </a:t>
-            </a:r>
-            <a:r>
-              <a:rPr lang="en-US" sz="2800" dirty="0" smtClean="0"/>
-              <a:t>the </a:t>
-            </a:r>
-            <a:r>
-              <a:rPr lang="es-CO" sz="2800" dirty="0" err="1" smtClean="0"/>
-              <a:t>possible</a:t>
-            </a:r>
-            <a:r>
-              <a:rPr lang="es-CO" sz="2800" dirty="0" smtClean="0"/>
-              <a:t> </a:t>
-            </a:r>
-            <a:r>
-              <a:rPr lang="es-CO" sz="2800" dirty="0"/>
-              <a:t>100 are </a:t>
-            </a:r>
-            <a:r>
-              <a:rPr lang="es-CO" sz="2800" dirty="0" err="1"/>
-              <a:t>present</a:t>
-            </a:r>
-            <a:r>
-              <a:rPr lang="es-CO" sz="2800" dirty="0"/>
-              <a:t>.</a:t>
-            </a:r>
-          </a:p>
-        </p:txBody>
-      </p:sp>
-    </p:spTree>
-    <p:extLst>
-      <p:ext uri="{BB962C8B-B14F-4D97-AF65-F5344CB8AC3E}">
-        <p14:creationId xmlns:p14="http://schemas.microsoft.com/office/powerpoint/2010/main" val="1929192929"/>
-      </p:ext>
-    </p:extLst>
-  </p:cSld>
-  <p:clrMapOvr>
-    <a:masterClrMapping/>
-  </p:clrMapOvr>
-  <p:timing>
-    <p:tnLst>
-      <p:par>
-        <p:cTn id="1" dur="indefinite" restart="never" nodeType="tmRoot"/>
-      </p:par>
-    </p:tnLst>
-  </p:timing>
-</p:sld>
-</file>
-
-<file path=ppt/slides/slide6.xml><?xml version="1.0" encoding="utf-8"?>
-<p:sld xmlns:a="http://schemas.openxmlformats.org/drawingml/2006/main" xmlns:r="http://schemas.openxmlformats.org/officeDocument/2006/relationships" xmlns:p="http://schemas.openxmlformats.org/presentationml/2006/main">
-  <p:cSld>
-    <p:spTree>
-      <p:nvGrpSpPr>
-        <p:cNvPr id="1" name=""/>
-        <p:cNvGrpSpPr/>
-        <p:nvPr/>
-      </p:nvGrpSpPr>
-      <p:grpSpPr>
-        <a:xfrm>
-          <a:off x="0" y="0"/>
-          <a:ext cx="0" cy="0"/>
-          <a:chOff x="0" y="0"/>
-          <a:chExt cx="0" cy="0"/>
-        </a:xfrm>
-      </p:grpSpPr>
-      <p:sp>
-        <p:nvSpPr>
-          <p:cNvPr id="2" name="Título 1"/>
-          <p:cNvSpPr>
-            <a:spLocks noGrp="1"/>
-          </p:cNvSpPr>
-          <p:nvPr>
-            <p:ph type="title"/>
-          </p:nvPr>
-        </p:nvSpPr>
-        <p:spPr/>
-        <p:txBody>
-          <a:bodyPr/>
-          <a:lstStyle/>
-          <a:p>
-            <a:r>
-              <a:rPr lang="es-CO" dirty="0" smtClean="0"/>
               <a:t>Teoría de juegos para “El Farol” (adaptado)</a:t>
             </a:r>
-            <a:endParaRPr lang="es-CO" dirty="0"/>
           </a:p>
         </p:txBody>
       </p:sp>
@@ -4512,22 +3338,21 @@
           <a:lstStyle/>
           <a:p>
             <a:r>
-              <a:rPr lang="es-CO" dirty="0" smtClean="0"/>
+              <a:rPr lang="es-CO" dirty="0"/>
               <a:t>Supongamos 2 jugadores</a:t>
             </a:r>
           </a:p>
           <a:p>
             <a:r>
-              <a:rPr lang="es-CO" dirty="0" smtClean="0"/>
+              <a:rPr lang="es-CO" dirty="0"/>
               <a:t>Cada jugador tiene 2 “estrategias” posibles: ir o no ir al bar El Farol</a:t>
             </a:r>
           </a:p>
           <a:p>
             <a:r>
-              <a:rPr lang="es-CO" dirty="0" smtClean="0"/>
+              <a:rPr lang="es-CO" dirty="0"/>
               <a:t>Cada jugador tiene la misma función de pagos: 1 si va y el otro jugador no va; -1 si va y el otro jugador también va; 0 si no va.</a:t>
             </a:r>
-            <a:endParaRPr lang="es-CO" dirty="0"/>
           </a:p>
         </p:txBody>
       </p:sp>
@@ -4596,7 +3421,7 @@
           <a:lstStyle/>
           <a:p>
             <a:r>
-              <a:rPr lang="es-CO" dirty="0" smtClean="0"/>
+              <a:rPr lang="es-CO" dirty="0"/>
               <a:t>Jugador 1</a:t>
             </a:r>
           </a:p>
@@ -4751,7 +3576,7 @@
           <a:lstStyle/>
           <a:p>
             <a:r>
-              <a:rPr lang="es-CO" dirty="0" smtClean="0"/>
+              <a:rPr lang="es-CO" dirty="0"/>
               <a:t>Jugador 2</a:t>
             </a:r>
           </a:p>
@@ -4780,7 +3605,7 @@
           <a:lstStyle/>
           <a:p>
             <a:r>
-              <a:rPr lang="es-CO" dirty="0" smtClean="0"/>
+              <a:rPr lang="es-CO" dirty="0"/>
               <a:t>IR                                NO IR</a:t>
             </a:r>
           </a:p>
@@ -4809,7 +3634,7 @@
           <a:lstStyle/>
           <a:p>
             <a:r>
-              <a:rPr lang="es-CO" dirty="0" smtClean="0"/>
+              <a:rPr lang="es-CO" dirty="0"/>
               <a:t>NO IR                            IR</a:t>
             </a:r>
           </a:p>
@@ -4838,7 +3663,7 @@
           <a:lstStyle/>
           <a:p>
             <a:r>
-              <a:rPr lang="es-CO" dirty="0" smtClean="0"/>
+              <a:rPr lang="es-CO" dirty="0"/>
               <a:t>(-1, -1)</a:t>
             </a:r>
           </a:p>
@@ -4867,7 +3692,7 @@
           <a:lstStyle/>
           <a:p>
             <a:r>
-              <a:rPr lang="es-CO" dirty="0" smtClean="0"/>
+              <a:rPr lang="es-CO" dirty="0"/>
               <a:t>(0, 1)</a:t>
             </a:r>
           </a:p>
@@ -4896,7 +3721,7 @@
           <a:lstStyle/>
           <a:p>
             <a:r>
-              <a:rPr lang="es-CO" dirty="0" smtClean="0"/>
+              <a:rPr lang="es-CO" dirty="0"/>
               <a:t>(1, 0)</a:t>
             </a:r>
           </a:p>
@@ -4925,7 +3750,7 @@
           <a:lstStyle/>
           <a:p>
             <a:r>
-              <a:rPr lang="es-CO" dirty="0" smtClean="0"/>
+              <a:rPr lang="es-CO" dirty="0"/>
               <a:t>(0, 0)</a:t>
             </a:r>
           </a:p>
@@ -5046,18 +3871,13 @@
           <a:lstStyle/>
           <a:p>
             <a:r>
-              <a:rPr lang="es-CO" dirty="0" smtClean="0">
+              <a:rPr lang="es-CO" dirty="0">
                 <a:solidFill>
                   <a:srgbClr val="FF0000"/>
                 </a:solidFill>
               </a:rPr>
               <a:t>¡Múltiples equilibrios de Nash!</a:t>
             </a:r>
-            <a:endParaRPr lang="es-CO" dirty="0">
-              <a:solidFill>
-                <a:srgbClr val="FF0000"/>
-              </a:solidFill>
-            </a:endParaRPr>
           </a:p>
         </p:txBody>
       </p:sp>
@@ -5612,7 +4432,7 @@
 </p:sld>
 </file>
 
-<file path=ppt/slides/slide7.xml><?xml version="1.0" encoding="utf-8"?>
+<file path=ppt/slides/slide4.xml><?xml version="1.0" encoding="utf-8"?>
 <p:sld xmlns:a="http://schemas.openxmlformats.org/drawingml/2006/main" xmlns:r="http://schemas.openxmlformats.org/officeDocument/2006/relationships" xmlns:p="http://schemas.openxmlformats.org/presentationml/2006/main">
   <p:cSld>
     <p:spTree>
@@ -5645,15 +4465,15 @@
           <a:lstStyle/>
           <a:p>
             <a:r>
-              <a:rPr lang="es-CO" dirty="0" err="1" smtClean="0"/>
+              <a:rPr lang="es-CO" dirty="0" err="1"/>
               <a:t>Bounded</a:t>
             </a:r>
             <a:r>
-              <a:rPr lang="es-CO" dirty="0" smtClean="0"/>
+              <a:rPr lang="es-CO" dirty="0"/>
               <a:t> </a:t>
             </a:r>
             <a:r>
-              <a:rPr lang="es-CO" dirty="0" err="1" smtClean="0"/>
+              <a:rPr lang="es-CO" dirty="0" err="1"/>
               <a:t>rationality</a:t>
             </a:r>
             <a:endParaRPr lang="es-CO" dirty="0"/>
@@ -5709,30 +4529,13 @@
           <a:lstStyle/>
           <a:p>
             <a:r>
-              <a:rPr lang="en-US" sz="2400" dirty="0" smtClean="0"/>
-              <a:t>Particular </a:t>
-            </a:r>
-            <a:r>
               <a:rPr lang="en-US" sz="2400" dirty="0"/>
-              <a:t>hypotheses or </a:t>
-            </a:r>
-            <a:r>
-              <a:rPr lang="en-US" sz="2400" dirty="0" smtClean="0"/>
-              <a:t>predictors: </a:t>
-            </a:r>
-            <a:r>
-              <a:rPr lang="en-US" sz="2400" i="1" dirty="0" smtClean="0"/>
-              <a:t>predict </a:t>
+              <a:t>Particular hypotheses or predictors: </a:t>
             </a:r>
             <a:r>
               <a:rPr lang="en-US" sz="2400" i="1" dirty="0"/>
-              <a:t>next week’s number to </a:t>
-            </a:r>
-            <a:r>
-              <a:rPr lang="en-US" sz="2400" i="1" dirty="0" smtClean="0"/>
-              <a:t>be: </a:t>
-            </a:r>
-            <a:endParaRPr lang="en-US" sz="2400" i="1" dirty="0"/>
+              <a:t>predict next week’s number to be: </a:t>
+            </a:r>
           </a:p>
           <a:p>
             <a:pPr marL="800100" lvl="1" indent="-342900">
@@ -5740,12 +4543,8 @@
               <a:buChar char="•"/>
             </a:pPr>
             <a:r>
-              <a:rPr lang="en-US" sz="2000" dirty="0" smtClean="0"/>
-              <a:t>the </a:t>
-            </a:r>
-            <a:r>
               <a:rPr lang="en-US" sz="2000" dirty="0"/>
-              <a:t>same as last week’s </a:t>
+              <a:t>the same as last week’s </a:t>
             </a:r>
           </a:p>
           <a:p>
@@ -5754,16 +4553,8 @@
               <a:buChar char="•"/>
             </a:pPr>
             <a:r>
-              <a:rPr lang="en-US" sz="2000" dirty="0" smtClean="0"/>
-              <a:t>a </a:t>
-            </a:r>
-            <a:r>
               <a:rPr lang="en-US" sz="2000" dirty="0"/>
-              <a:t>mirror image around 50 of last </a:t>
-            </a:r>
-            <a:r>
-              <a:rPr lang="en-US" sz="2000" dirty="0" smtClean="0"/>
-              <a:t>week’s</a:t>
+              <a:t>a mirror image around 50 of last week’s</a:t>
             </a:r>
           </a:p>
           <a:p>
@@ -5772,7 +4563,7 @@
               <a:buChar char="•"/>
             </a:pPr>
             <a:r>
-              <a:rPr lang="es-CO" sz="2000" dirty="0" smtClean="0"/>
+              <a:rPr lang="es-CO" sz="2000" dirty="0"/>
               <a:t>67</a:t>
             </a:r>
           </a:p>
@@ -5782,16 +4573,8 @@
               <a:buChar char="•"/>
             </a:pPr>
             <a:r>
-              <a:rPr lang="en-US" sz="2000" dirty="0" smtClean="0"/>
-              <a:t>a </a:t>
-            </a:r>
-            <a:r>
               <a:rPr lang="en-US" sz="2000" dirty="0"/>
-              <a:t>(rounded) average of the last four </a:t>
-            </a:r>
-            <a:r>
-              <a:rPr lang="en-US" sz="2000" dirty="0" smtClean="0"/>
-              <a:t>weeks</a:t>
+              <a:t>a (rounded) average of the last four weeks</a:t>
             </a:r>
           </a:p>
           <a:p>
@@ -5800,14 +4583,9 @@
               <a:buChar char="•"/>
             </a:pPr>
             <a:r>
-              <a:rPr lang="en-US" sz="2000" dirty="0" smtClean="0"/>
-              <a:t>the </a:t>
-            </a:r>
-            <a:r>
               <a:rPr lang="en-US" sz="2000" dirty="0"/>
-              <a:t>same as 2 weeks ago (2-period cycle detector) </a:t>
-            </a:r>
-            <a:endParaRPr lang="en-US" sz="2000" dirty="0" smtClean="0"/>
+              <a:t>the same as 2 weeks ago (2-period cycle detector) </a:t>
+            </a:r>
           </a:p>
           <a:p>
             <a:pPr marL="800100" lvl="1" indent="-342900">
@@ -5815,25 +4593,17 @@
               <a:buChar char="•"/>
             </a:pPr>
             <a:r>
-              <a:rPr lang="es-CO" sz="2000" dirty="0" smtClean="0"/>
-              <a:t>etc</a:t>
-            </a:r>
-            <a:r>
               <a:rPr lang="es-CO" sz="2000" dirty="0"/>
-              <a:t>. </a:t>
-            </a:r>
-            <a:r>
-              <a:rPr lang="es-CO" sz="2000" dirty="0" smtClean="0"/>
-              <a:t>…</a:t>
-            </a:r>
-          </a:p>
-          <a:p>
-            <a:r>
-              <a:rPr lang="es-CO" sz="2400" dirty="0" smtClean="0"/>
+              <a:t>etc. …</a:t>
+            </a:r>
+          </a:p>
+          <a:p>
+            <a:r>
+              <a:rPr lang="es-CO" sz="2400" dirty="0"/>
               <a:t>Heurística: </a:t>
             </a:r>
             <a:r>
-              <a:rPr lang="es-CO" sz="2400" dirty="0" err="1" smtClean="0"/>
+              <a:rPr lang="es-CO" sz="2400" dirty="0" err="1"/>
               <a:t>WinStay-LoseShift</a:t>
             </a:r>
             <a:endParaRPr lang="es-CO" sz="2400" dirty="0"/>
@@ -5976,7 +4746,7 @@
 </p:sld>
 </file>
 
-<file path=ppt/slides/slide8.xml><?xml version="1.0" encoding="utf-8"?>
+<file path=ppt/slides/slide5.xml><?xml version="1.0" encoding="utf-8"?>
 <p:sld xmlns:a="http://schemas.openxmlformats.org/drawingml/2006/main" xmlns:r="http://schemas.openxmlformats.org/officeDocument/2006/relationships" xmlns:p="http://schemas.openxmlformats.org/presentationml/2006/main">
   <p:cSld>
     <p:spTree>
@@ -6009,10 +4779,9 @@
           <a:lstStyle/>
           <a:p>
             <a:r>
-              <a:rPr lang="es-CO" dirty="0" smtClean="0"/>
+              <a:rPr lang="es-CO" dirty="0"/>
               <a:t>Explicación basada en modelos</a:t>
             </a:r>
-            <a:endParaRPr lang="es-CO" dirty="0"/>
           </a:p>
         </p:txBody>
       </p:sp>
@@ -6093,10 +4862,9 @@
             <a:lstStyle/>
             <a:p>
               <a:r>
-                <a:rPr lang="es-CO" dirty="0" smtClean="0"/>
+                <a:rPr lang="es-CO" dirty="0"/>
                 <a:t>Juego iterativo</a:t>
               </a:r>
-              <a:endParaRPr lang="es-CO" dirty="0"/>
             </a:p>
           </p:txBody>
         </p:sp>
@@ -6192,10 +4960,9 @@
               <a:lstStyle/>
               <a:p>
                 <a:r>
-                  <a:rPr lang="es-CO" dirty="0" smtClean="0"/>
+                  <a:rPr lang="es-CO" dirty="0"/>
                   <a:t>Modelo computacional 1</a:t>
                 </a:r>
-                <a:endParaRPr lang="es-CO" dirty="0"/>
               </a:p>
             </p:txBody>
           </p:sp>
@@ -6263,10 +5030,9 @@
             <a:lstStyle/>
             <a:p>
               <a:r>
-                <a:rPr lang="es-CO" dirty="0" smtClean="0"/>
+                <a:rPr lang="es-CO" dirty="0"/>
                 <a:t>Modelo computacional 2</a:t>
               </a:r>
-              <a:endParaRPr lang="es-CO" dirty="0"/>
             </a:p>
           </p:txBody>
         </p:sp>
@@ -6351,10 +5117,9 @@
             <a:lstStyle/>
             <a:p>
               <a:r>
-                <a:rPr lang="es-CO" dirty="0" smtClean="0"/>
+                <a:rPr lang="es-CO" dirty="0"/>
                 <a:t>Simulaciones</a:t>
               </a:r>
-              <a:endParaRPr lang="es-CO" dirty="0"/>
             </a:p>
           </p:txBody>
         </p:sp>
@@ -6436,10 +5201,9 @@
             <a:lstStyle/>
             <a:p>
               <a:r>
-                <a:rPr lang="es-CO" dirty="0" smtClean="0"/>
+                <a:rPr lang="es-CO" dirty="0"/>
                 <a:t>Prueba experimental</a:t>
               </a:r>
-              <a:endParaRPr lang="es-CO" dirty="0"/>
             </a:p>
           </p:txBody>
         </p:sp>
@@ -6524,10 +5288,9 @@
             <a:lstStyle/>
             <a:p>
               <a:r>
-                <a:rPr lang="es-CO" dirty="0" smtClean="0"/>
+                <a:rPr lang="es-CO" dirty="0"/>
                 <a:t>Datos conductuales</a:t>
               </a:r>
-              <a:endParaRPr lang="es-CO" dirty="0"/>
             </a:p>
           </p:txBody>
         </p:sp>
@@ -6997,17 +5760,16 @@
           <a:p>
             <a:pPr algn="ctr"/>
             <a:r>
-              <a:rPr lang="es-CO" dirty="0" smtClean="0"/>
+              <a:rPr lang="es-CO" dirty="0"/>
               <a:t>Fenómeno</a:t>
             </a:r>
           </a:p>
           <a:p>
             <a:pPr algn="ctr"/>
             <a:r>
-              <a:rPr lang="es-CO" dirty="0" smtClean="0"/>
+              <a:rPr lang="es-CO" dirty="0"/>
               <a:t> de interés</a:t>
             </a:r>
-            <a:endParaRPr lang="es-CO" dirty="0"/>
           </a:p>
         </p:txBody>
       </p:sp>
@@ -7324,7 +6086,7 @@
 </p:sld>
 </file>
 
-<file path=ppt/slides/slide9.xml><?xml version="1.0" encoding="utf-8"?>
+<file path=ppt/slides/slide6.xml><?xml version="1.0" encoding="utf-8"?>
 <p:sld xmlns:a="http://schemas.openxmlformats.org/drawingml/2006/main" xmlns:r="http://schemas.openxmlformats.org/officeDocument/2006/relationships" xmlns:p="http://schemas.openxmlformats.org/presentationml/2006/main">
   <p:cSld>
     <p:spTree>
@@ -7343,902 +6105,298 @@
       </p:grpSpPr>
       <p:sp>
         <p:nvSpPr>
-          <p:cNvPr id="2" name="Título 1"/>
-          <p:cNvSpPr>
-            <a:spLocks noGrp="1"/>
-          </p:cNvSpPr>
-          <p:nvPr>
-            <p:ph type="title"/>
-          </p:nvPr>
-        </p:nvSpPr>
-        <p:spPr/>
-        <p:txBody>
-          <a:bodyPr/>
-          <a:lstStyle/>
-          <a:p>
-            <a:r>
-              <a:rPr lang="es-CO" dirty="0" smtClean="0"/>
-              <a:t>¿Cómo surge la división del trabajo?</a:t>
-            </a:r>
-            <a:endParaRPr lang="es-CO" dirty="0"/>
-          </a:p>
-        </p:txBody>
-      </p:sp>
-      <p:sp>
-        <p:nvSpPr>
-          <p:cNvPr id="9" name="Forma libre 8"/>
-          <p:cNvSpPr/>
-          <p:nvPr/>
-        </p:nvSpPr>
-        <p:spPr>
-          <a:xfrm>
-            <a:off x="914400" y="1631092"/>
-            <a:ext cx="3311613" cy="2059459"/>
-          </a:xfrm>
-          <a:custGeom>
-            <a:avLst/>
-            <a:gdLst>
-              <a:gd name="connsiteX0" fmla="*/ 617838 w 3311613"/>
-              <a:gd name="connsiteY0" fmla="*/ 32951 h 2059459"/>
-              <a:gd name="connsiteX1" fmla="*/ 617838 w 3311613"/>
-              <a:gd name="connsiteY1" fmla="*/ 32951 h 2059459"/>
-              <a:gd name="connsiteX2" fmla="*/ 691979 w 3311613"/>
-              <a:gd name="connsiteY2" fmla="*/ 107092 h 2059459"/>
-              <a:gd name="connsiteX3" fmla="*/ 864973 w 3311613"/>
-              <a:gd name="connsiteY3" fmla="*/ 205946 h 2059459"/>
-              <a:gd name="connsiteX4" fmla="*/ 963827 w 3311613"/>
-              <a:gd name="connsiteY4" fmla="*/ 263611 h 2059459"/>
-              <a:gd name="connsiteX5" fmla="*/ 1095633 w 3311613"/>
-              <a:gd name="connsiteY5" fmla="*/ 313038 h 2059459"/>
-              <a:gd name="connsiteX6" fmla="*/ 1589903 w 3311613"/>
-              <a:gd name="connsiteY6" fmla="*/ 527221 h 2059459"/>
-              <a:gd name="connsiteX7" fmla="*/ 1713471 w 3311613"/>
-              <a:gd name="connsiteY7" fmla="*/ 576649 h 2059459"/>
-              <a:gd name="connsiteX8" fmla="*/ 2084173 w 3311613"/>
-              <a:gd name="connsiteY8" fmla="*/ 741405 h 2059459"/>
-              <a:gd name="connsiteX9" fmla="*/ 2257168 w 3311613"/>
-              <a:gd name="connsiteY9" fmla="*/ 848497 h 2059459"/>
-              <a:gd name="connsiteX10" fmla="*/ 2496065 w 3311613"/>
-              <a:gd name="connsiteY10" fmla="*/ 1062681 h 2059459"/>
-              <a:gd name="connsiteX11" fmla="*/ 2570206 w 3311613"/>
-              <a:gd name="connsiteY11" fmla="*/ 1136821 h 2059459"/>
-              <a:gd name="connsiteX12" fmla="*/ 2644346 w 3311613"/>
-              <a:gd name="connsiteY12" fmla="*/ 1210962 h 2059459"/>
-              <a:gd name="connsiteX13" fmla="*/ 2858530 w 3311613"/>
-              <a:gd name="connsiteY13" fmla="*/ 1408670 h 2059459"/>
-              <a:gd name="connsiteX14" fmla="*/ 2982098 w 3311613"/>
-              <a:gd name="connsiteY14" fmla="*/ 1532238 h 2059459"/>
-              <a:gd name="connsiteX15" fmla="*/ 3023287 w 3311613"/>
-              <a:gd name="connsiteY15" fmla="*/ 1573427 h 2059459"/>
-              <a:gd name="connsiteX16" fmla="*/ 3097427 w 3311613"/>
-              <a:gd name="connsiteY16" fmla="*/ 1622854 h 2059459"/>
-              <a:gd name="connsiteX17" fmla="*/ 3163330 w 3311613"/>
-              <a:gd name="connsiteY17" fmla="*/ 1655805 h 2059459"/>
-              <a:gd name="connsiteX18" fmla="*/ 3196281 w 3311613"/>
-              <a:gd name="connsiteY18" fmla="*/ 1680519 h 2059459"/>
-              <a:gd name="connsiteX19" fmla="*/ 3220995 w 3311613"/>
-              <a:gd name="connsiteY19" fmla="*/ 1688757 h 2059459"/>
-              <a:gd name="connsiteX20" fmla="*/ 3245708 w 3311613"/>
-              <a:gd name="connsiteY20" fmla="*/ 1705232 h 2059459"/>
-              <a:gd name="connsiteX21" fmla="*/ 3270422 w 3311613"/>
-              <a:gd name="connsiteY21" fmla="*/ 1738184 h 2059459"/>
-              <a:gd name="connsiteX22" fmla="*/ 3303373 w 3311613"/>
-              <a:gd name="connsiteY22" fmla="*/ 1837038 h 2059459"/>
-              <a:gd name="connsiteX23" fmla="*/ 3311611 w 3311613"/>
-              <a:gd name="connsiteY23" fmla="*/ 1977081 h 2059459"/>
-              <a:gd name="connsiteX24" fmla="*/ 2166552 w 3311613"/>
-              <a:gd name="connsiteY24" fmla="*/ 2059459 h 2059459"/>
-              <a:gd name="connsiteX25" fmla="*/ 2166552 w 3311613"/>
-              <a:gd name="connsiteY25" fmla="*/ 1968843 h 2059459"/>
-              <a:gd name="connsiteX26" fmla="*/ 1944130 w 3311613"/>
-              <a:gd name="connsiteY26" fmla="*/ 1276865 h 2059459"/>
-              <a:gd name="connsiteX27" fmla="*/ 1713471 w 3311613"/>
-              <a:gd name="connsiteY27" fmla="*/ 1276865 h 2059459"/>
-              <a:gd name="connsiteX28" fmla="*/ 642552 w 3311613"/>
-              <a:gd name="connsiteY28" fmla="*/ 1565189 h 2059459"/>
-              <a:gd name="connsiteX29" fmla="*/ 584887 w 3311613"/>
-              <a:gd name="connsiteY29" fmla="*/ 1655805 h 2059459"/>
-              <a:gd name="connsiteX30" fmla="*/ 914400 w 3311613"/>
-              <a:gd name="connsiteY30" fmla="*/ 1738184 h 2059459"/>
-              <a:gd name="connsiteX31" fmla="*/ 8238 w 3311613"/>
-              <a:gd name="connsiteY31" fmla="*/ 1746421 h 2059459"/>
-              <a:gd name="connsiteX32" fmla="*/ 0 w 3311613"/>
-              <a:gd name="connsiteY32" fmla="*/ 1664043 h 2059459"/>
-              <a:gd name="connsiteX33" fmla="*/ 337752 w 3311613"/>
-              <a:gd name="connsiteY33" fmla="*/ 568411 h 2059459"/>
-              <a:gd name="connsiteX34" fmla="*/ 57665 w 3311613"/>
-              <a:gd name="connsiteY34" fmla="*/ 0 h 2059459"/>
-              <a:gd name="connsiteX35" fmla="*/ 617838 w 3311613"/>
-              <a:gd name="connsiteY35" fmla="*/ 32951 h 2059459"/>
-            </a:gdLst>
-            <a:ahLst/>
-            <a:cxnLst>
-              <a:cxn ang="0">
-                <a:pos x="connsiteX0" y="connsiteY0"/>
-              </a:cxn>
-              <a:cxn ang="0">
-                <a:pos x="connsiteX1" y="connsiteY1"/>
-              </a:cxn>
-              <a:cxn ang="0">
-                <a:pos x="connsiteX2" y="connsiteY2"/>
-              </a:cxn>
-              <a:cxn ang="0">
-                <a:pos x="connsiteX3" y="connsiteY3"/>
-              </a:cxn>
-              <a:cxn ang="0">
-                <a:pos x="connsiteX4" y="connsiteY4"/>
-              </a:cxn>
-              <a:cxn ang="0">
-                <a:pos x="connsiteX5" y="connsiteY5"/>
-              </a:cxn>
-              <a:cxn ang="0">
-                <a:pos x="connsiteX6" y="connsiteY6"/>
-              </a:cxn>
-              <a:cxn ang="0">
-                <a:pos x="connsiteX7" y="connsiteY7"/>
-              </a:cxn>
-              <a:cxn ang="0">
-                <a:pos x="connsiteX8" y="connsiteY8"/>
-              </a:cxn>
-              <a:cxn ang="0">
-                <a:pos x="connsiteX9" y="connsiteY9"/>
-              </a:cxn>
-              <a:cxn ang="0">
-                <a:pos x="connsiteX10" y="connsiteY10"/>
-              </a:cxn>
-              <a:cxn ang="0">
-                <a:pos x="connsiteX11" y="connsiteY11"/>
-              </a:cxn>
-              <a:cxn ang="0">
-                <a:pos x="connsiteX12" y="connsiteY12"/>
-              </a:cxn>
-              <a:cxn ang="0">
-                <a:pos x="connsiteX13" y="connsiteY13"/>
-              </a:cxn>
-              <a:cxn ang="0">
-                <a:pos x="connsiteX14" y="connsiteY14"/>
-              </a:cxn>
-              <a:cxn ang="0">
-                <a:pos x="connsiteX15" y="connsiteY15"/>
-              </a:cxn>
-              <a:cxn ang="0">
-                <a:pos x="connsiteX16" y="connsiteY16"/>
-              </a:cxn>
-              <a:cxn ang="0">
-                <a:pos x="connsiteX17" y="connsiteY17"/>
-              </a:cxn>
-              <a:cxn ang="0">
-                <a:pos x="connsiteX18" y="connsiteY18"/>
-              </a:cxn>
-              <a:cxn ang="0">
-                <a:pos x="connsiteX19" y="connsiteY19"/>
-              </a:cxn>
-              <a:cxn ang="0">
-                <a:pos x="connsiteX20" y="connsiteY20"/>
-              </a:cxn>
-              <a:cxn ang="0">
-                <a:pos x="connsiteX21" y="connsiteY21"/>
-              </a:cxn>
-              <a:cxn ang="0">
-                <a:pos x="connsiteX22" y="connsiteY22"/>
-              </a:cxn>
-              <a:cxn ang="0">
-                <a:pos x="connsiteX23" y="connsiteY23"/>
-              </a:cxn>
-              <a:cxn ang="0">
-                <a:pos x="connsiteX24" y="connsiteY24"/>
-              </a:cxn>
-              <a:cxn ang="0">
-                <a:pos x="connsiteX25" y="connsiteY25"/>
-              </a:cxn>
-              <a:cxn ang="0">
-                <a:pos x="connsiteX26" y="connsiteY26"/>
-              </a:cxn>
-              <a:cxn ang="0">
-                <a:pos x="connsiteX27" y="connsiteY27"/>
-              </a:cxn>
-              <a:cxn ang="0">
-                <a:pos x="connsiteX28" y="connsiteY28"/>
-              </a:cxn>
-              <a:cxn ang="0">
-                <a:pos x="connsiteX29" y="connsiteY29"/>
-              </a:cxn>
-              <a:cxn ang="0">
-                <a:pos x="connsiteX30" y="connsiteY30"/>
-              </a:cxn>
-              <a:cxn ang="0">
-                <a:pos x="connsiteX31" y="connsiteY31"/>
-              </a:cxn>
-              <a:cxn ang="0">
-                <a:pos x="connsiteX32" y="connsiteY32"/>
-              </a:cxn>
-              <a:cxn ang="0">
-                <a:pos x="connsiteX33" y="connsiteY33"/>
-              </a:cxn>
-              <a:cxn ang="0">
-                <a:pos x="connsiteX34" y="connsiteY34"/>
-              </a:cxn>
-              <a:cxn ang="0">
-                <a:pos x="connsiteX35" y="connsiteY35"/>
-              </a:cxn>
-            </a:cxnLst>
-            <a:rect l="l" t="t" r="r" b="b"/>
-            <a:pathLst>
-              <a:path w="3311613" h="2059459">
-                <a:moveTo>
-                  <a:pt x="617838" y="32951"/>
-                </a:moveTo>
-                <a:lnTo>
-                  <a:pt x="617838" y="32951"/>
-                </a:lnTo>
-                <a:cubicBezTo>
-                  <a:pt x="642552" y="57665"/>
-                  <a:pt x="663347" y="87049"/>
-                  <a:pt x="691979" y="107092"/>
-                </a:cubicBezTo>
-                <a:cubicBezTo>
-                  <a:pt x="746389" y="145179"/>
-                  <a:pt x="807416" y="172807"/>
-                  <a:pt x="864973" y="205946"/>
-                </a:cubicBezTo>
-                <a:cubicBezTo>
-                  <a:pt x="898033" y="224980"/>
-                  <a:pt x="928108" y="250216"/>
-                  <a:pt x="963827" y="263611"/>
-                </a:cubicBezTo>
-                <a:cubicBezTo>
-                  <a:pt x="1007762" y="280087"/>
-                  <a:pt x="1052010" y="295753"/>
-                  <a:pt x="1095633" y="313038"/>
-                </a:cubicBezTo>
-                <a:cubicBezTo>
-                  <a:pt x="1671704" y="541292"/>
-                  <a:pt x="1169734" y="339250"/>
-                  <a:pt x="1589903" y="527221"/>
-                </a:cubicBezTo>
-                <a:cubicBezTo>
-                  <a:pt x="1630398" y="545337"/>
-                  <a:pt x="1672521" y="559587"/>
-                  <a:pt x="1713471" y="576649"/>
-                </a:cubicBezTo>
-                <a:cubicBezTo>
-                  <a:pt x="1766888" y="598906"/>
-                  <a:pt x="1991723" y="688176"/>
-                  <a:pt x="2084173" y="741405"/>
-                </a:cubicBezTo>
-                <a:cubicBezTo>
-                  <a:pt x="2142947" y="775245"/>
-                  <a:pt x="2203634" y="806859"/>
-                  <a:pt x="2257168" y="848497"/>
-                </a:cubicBezTo>
-                <a:cubicBezTo>
-                  <a:pt x="2384699" y="947689"/>
-                  <a:pt x="2324100" y="896647"/>
-                  <a:pt x="2496065" y="1062681"/>
-                </a:cubicBezTo>
-                <a:cubicBezTo>
-                  <a:pt x="2521208" y="1086957"/>
-                  <a:pt x="2545492" y="1112107"/>
-                  <a:pt x="2570206" y="1136821"/>
-                </a:cubicBezTo>
-                <a:cubicBezTo>
-                  <a:pt x="2594920" y="1161535"/>
-                  <a:pt x="2617935" y="1188072"/>
-                  <a:pt x="2644346" y="1210962"/>
-                </a:cubicBezTo>
-                <a:cubicBezTo>
-                  <a:pt x="2800195" y="1346030"/>
-                  <a:pt x="2729373" y="1279513"/>
-                  <a:pt x="2858530" y="1408670"/>
-                </a:cubicBezTo>
-                <a:lnTo>
-                  <a:pt x="2982098" y="1532238"/>
-                </a:lnTo>
-                <a:cubicBezTo>
-                  <a:pt x="2995828" y="1545968"/>
-                  <a:pt x="3007131" y="1562657"/>
-                  <a:pt x="3023287" y="1573427"/>
-                </a:cubicBezTo>
-                <a:cubicBezTo>
-                  <a:pt x="3048000" y="1589903"/>
-                  <a:pt x="3076424" y="1601852"/>
-                  <a:pt x="3097427" y="1622854"/>
-                </a:cubicBezTo>
-                <a:cubicBezTo>
-                  <a:pt x="3132042" y="1657467"/>
-                  <a:pt x="3110717" y="1645282"/>
-                  <a:pt x="3163330" y="1655805"/>
-                </a:cubicBezTo>
-                <a:cubicBezTo>
-                  <a:pt x="3174314" y="1664043"/>
-                  <a:pt x="3184360" y="1673707"/>
-                  <a:pt x="3196281" y="1680519"/>
-                </a:cubicBezTo>
-                <a:cubicBezTo>
-                  <a:pt x="3203820" y="1684827"/>
-                  <a:pt x="3213228" y="1684874"/>
-                  <a:pt x="3220995" y="1688757"/>
-                </a:cubicBezTo>
-                <a:cubicBezTo>
-                  <a:pt x="3229850" y="1693185"/>
-                  <a:pt x="3237470" y="1699740"/>
-                  <a:pt x="3245708" y="1705232"/>
-                </a:cubicBezTo>
-                <a:cubicBezTo>
-                  <a:pt x="3253946" y="1716216"/>
-                  <a:pt x="3263754" y="1726182"/>
-                  <a:pt x="3270422" y="1738184"/>
-                </a:cubicBezTo>
-                <a:cubicBezTo>
-                  <a:pt x="3284483" y="1763493"/>
-                  <a:pt x="3296138" y="1811715"/>
-                  <a:pt x="3303373" y="1837038"/>
-                </a:cubicBezTo>
-                <a:cubicBezTo>
-                  <a:pt x="3311976" y="1966085"/>
-                  <a:pt x="3311611" y="1919325"/>
-                  <a:pt x="3311611" y="1977081"/>
-                </a:cubicBezTo>
-                <a:lnTo>
-                  <a:pt x="2166552" y="2059459"/>
-                </a:lnTo>
-                <a:lnTo>
-                  <a:pt x="2166552" y="1968843"/>
-                </a:lnTo>
-                <a:lnTo>
-                  <a:pt x="1944130" y="1276865"/>
-                </a:lnTo>
-                <a:lnTo>
-                  <a:pt x="1713471" y="1276865"/>
-                </a:lnTo>
-                <a:lnTo>
-                  <a:pt x="642552" y="1565189"/>
-                </a:lnTo>
-                <a:cubicBezTo>
-                  <a:pt x="583312" y="1649817"/>
-                  <a:pt x="584887" y="1614049"/>
-                  <a:pt x="584887" y="1655805"/>
-                </a:cubicBezTo>
-                <a:lnTo>
-                  <a:pt x="914400" y="1738184"/>
-                </a:lnTo>
-                <a:lnTo>
-                  <a:pt x="8238" y="1746421"/>
-                </a:lnTo>
-                <a:lnTo>
-                  <a:pt x="0" y="1664043"/>
-                </a:lnTo>
-                <a:lnTo>
-                  <a:pt x="337752" y="568411"/>
-                </a:lnTo>
-                <a:lnTo>
-                  <a:pt x="57665" y="0"/>
-                </a:lnTo>
-                <a:lnTo>
-                  <a:pt x="617838" y="32951"/>
-                </a:lnTo>
-                <a:close/>
-              </a:path>
-            </a:pathLst>
-          </a:custGeom>
-        </p:spPr>
-        <p:style>
-          <a:lnRef idx="2">
-            <a:schemeClr val="accent1">
-              <a:shade val="50000"/>
-            </a:schemeClr>
-          </a:lnRef>
-          <a:fillRef idx="1">
-            <a:schemeClr val="accent1"/>
-          </a:fillRef>
-          <a:effectRef idx="0">
-            <a:schemeClr val="accent1"/>
-          </a:effectRef>
-          <a:fontRef idx="minor">
-            <a:schemeClr val="lt1"/>
-          </a:fontRef>
-        </p:style>
-        <p:txBody>
-          <a:bodyPr rtlCol="0" anchor="ctr"/>
-          <a:lstStyle/>
-          <a:p>
-            <a:pPr algn="ctr"/>
-            <a:r>
-              <a:rPr lang="es-CO" dirty="0" smtClean="0"/>
-              <a:t>Fenómeno</a:t>
-            </a:r>
-          </a:p>
-          <a:p>
-            <a:pPr algn="ctr"/>
-            <a:r>
-              <a:rPr lang="es-CO" dirty="0" smtClean="0"/>
-              <a:t> de interés</a:t>
-            </a:r>
-            <a:endParaRPr lang="es-CO" dirty="0"/>
-          </a:p>
-        </p:txBody>
-      </p:sp>
-      <p:pic>
-        <p:nvPicPr>
-          <p:cNvPr id="10" name="Imagen 9"/>
-          <p:cNvPicPr>
-            <a:picLocks noChangeAspect="1"/>
-          </p:cNvPicPr>
-          <p:nvPr/>
-        </p:nvPicPr>
-        <p:blipFill>
-          <a:blip r:embed="rId2" cstate="print">
+          <p:cNvPr id="2" name="Title 1">
             <a:extLst>
-              <a:ext uri="{28A0092B-C50C-407E-A947-70E740481C1C}">
-                <a14:useLocalDpi xmlns:a14="http://schemas.microsoft.com/office/drawing/2010/main" val="0"/>
+              <a:ext uri="{FF2B5EF4-FFF2-40B4-BE49-F238E27FC236}">
+                <a16:creationId xmlns:a16="http://schemas.microsoft.com/office/drawing/2014/main" id="{AA8ECB26-6229-FB44-9930-84C0B0882B7B}"/>
               </a:ext>
             </a:extLst>
-          </a:blip>
-          <a:stretch>
-            <a:fillRect/>
-          </a:stretch>
-        </p:blipFill>
-        <p:spPr>
-          <a:xfrm>
-            <a:off x="8521903" y="2006081"/>
-            <a:ext cx="1177842" cy="1208043"/>
-          </a:xfrm>
-          <a:prstGeom prst="rect">
-            <a:avLst/>
-          </a:prstGeom>
-          <a:scene3d>
-            <a:camera prst="orthographicFront">
-              <a:rot lat="0" lon="10799999" rev="0"/>
-            </a:camera>
-            <a:lightRig rig="threePt" dir="t"/>
-          </a:scene3d>
-        </p:spPr>
-      </p:pic>
-      <p:pic>
-        <p:nvPicPr>
-          <p:cNvPr id="12" name="Imagen 11"/>
-          <p:cNvPicPr>
-            <a:picLocks noChangeAspect="1"/>
-          </p:cNvPicPr>
-          <p:nvPr/>
-        </p:nvPicPr>
-        <p:blipFill>
-          <a:blip r:embed="rId3" cstate="print">
-            <a:extLst>
-              <a:ext uri="{28A0092B-C50C-407E-A947-70E740481C1C}">
-                <a14:useLocalDpi xmlns:a14="http://schemas.microsoft.com/office/drawing/2010/main" val="0"/>
-              </a:ext>
-            </a:extLst>
-          </a:blip>
-          <a:stretch>
-            <a:fillRect/>
-          </a:stretch>
-        </p:blipFill>
-        <p:spPr>
-          <a:xfrm>
-            <a:off x="5186508" y="1820057"/>
-            <a:ext cx="1735599" cy="2009906"/>
-          </a:xfrm>
-          <a:prstGeom prst="rect">
-            <a:avLst/>
-          </a:prstGeom>
-        </p:spPr>
-      </p:pic>
-      <p:pic>
-        <p:nvPicPr>
-          <p:cNvPr id="13" name="Imagen 12"/>
-          <p:cNvPicPr>
-            <a:picLocks noChangeAspect="1"/>
-          </p:cNvPicPr>
-          <p:nvPr/>
-        </p:nvPicPr>
-        <p:blipFill>
-          <a:blip r:embed="rId4" cstate="print">
-            <a:extLst>
-              <a:ext uri="{28A0092B-C50C-407E-A947-70E740481C1C}">
-                <a14:useLocalDpi xmlns:a14="http://schemas.microsoft.com/office/drawing/2010/main" val="0"/>
-              </a:ext>
-            </a:extLst>
-          </a:blip>
-          <a:stretch>
-            <a:fillRect/>
-          </a:stretch>
-        </p:blipFill>
-        <p:spPr>
-          <a:xfrm>
-            <a:off x="4538713" y="4226768"/>
-            <a:ext cx="1295589" cy="1546257"/>
-          </a:xfrm>
-          <a:prstGeom prst="rect">
-            <a:avLst/>
-          </a:prstGeom>
-        </p:spPr>
-      </p:pic>
-      <p:pic>
-        <p:nvPicPr>
-          <p:cNvPr id="14" name="Imagen 13"/>
-          <p:cNvPicPr>
-            <a:picLocks noChangeAspect="1"/>
-          </p:cNvPicPr>
-          <p:nvPr/>
-        </p:nvPicPr>
-        <p:blipFill>
-          <a:blip r:embed="rId4" cstate="print">
-            <a:extLst>
-              <a:ext uri="{28A0092B-C50C-407E-A947-70E740481C1C}">
-                <a14:useLocalDpi xmlns:a14="http://schemas.microsoft.com/office/drawing/2010/main" val="0"/>
-              </a:ext>
-            </a:extLst>
-          </a:blip>
-          <a:stretch>
-            <a:fillRect/>
-          </a:stretch>
-        </p:blipFill>
-        <p:spPr>
-          <a:xfrm>
-            <a:off x="5626518" y="4247227"/>
-            <a:ext cx="1295589" cy="1546257"/>
-          </a:xfrm>
-          <a:prstGeom prst="rect">
-            <a:avLst/>
-          </a:prstGeom>
-        </p:spPr>
-      </p:pic>
-      <p:pic>
-        <p:nvPicPr>
-          <p:cNvPr id="15" name="Imagen 14"/>
-          <p:cNvPicPr>
-            <a:picLocks noChangeAspect="1"/>
-          </p:cNvPicPr>
-          <p:nvPr/>
-        </p:nvPicPr>
-        <p:blipFill>
-          <a:blip r:embed="rId4" cstate="print">
-            <a:extLst>
-              <a:ext uri="{28A0092B-C50C-407E-A947-70E740481C1C}">
-                <a14:useLocalDpi xmlns:a14="http://schemas.microsoft.com/office/drawing/2010/main" val="0"/>
-              </a:ext>
-            </a:extLst>
-          </a:blip>
-          <a:stretch>
-            <a:fillRect/>
-          </a:stretch>
-        </p:blipFill>
-        <p:spPr>
-          <a:xfrm>
-            <a:off x="6714323" y="4226768"/>
-            <a:ext cx="1295589" cy="1546257"/>
-          </a:xfrm>
-          <a:prstGeom prst="rect">
-            <a:avLst/>
-          </a:prstGeom>
-        </p:spPr>
-      </p:pic>
-      <p:pic>
-        <p:nvPicPr>
-          <p:cNvPr id="16" name="Imagen 15"/>
-          <p:cNvPicPr>
-            <a:picLocks noChangeAspect="1"/>
-          </p:cNvPicPr>
-          <p:nvPr/>
-        </p:nvPicPr>
-        <p:blipFill>
-          <a:blip r:embed="rId4" cstate="print">
-            <a:extLst>
-              <a:ext uri="{28A0092B-C50C-407E-A947-70E740481C1C}">
-                <a14:useLocalDpi xmlns:a14="http://schemas.microsoft.com/office/drawing/2010/main" val="0"/>
-              </a:ext>
-            </a:extLst>
-          </a:blip>
-          <a:stretch>
-            <a:fillRect/>
-          </a:stretch>
-        </p:blipFill>
-        <p:spPr>
-          <a:xfrm>
-            <a:off x="7802128" y="4226768"/>
-            <a:ext cx="1295589" cy="1546257"/>
-          </a:xfrm>
-          <a:prstGeom prst="rect">
-            <a:avLst/>
-          </a:prstGeom>
-        </p:spPr>
-      </p:pic>
-      <p:pic>
-        <p:nvPicPr>
-          <p:cNvPr id="17" name="Imagen 16"/>
-          <p:cNvPicPr>
-            <a:picLocks noChangeAspect="1"/>
-          </p:cNvPicPr>
-          <p:nvPr/>
-        </p:nvPicPr>
-        <p:blipFill>
-          <a:blip r:embed="rId4" cstate="print">
-            <a:extLst>
-              <a:ext uri="{28A0092B-C50C-407E-A947-70E740481C1C}">
-                <a14:useLocalDpi xmlns:a14="http://schemas.microsoft.com/office/drawing/2010/main" val="0"/>
-              </a:ext>
-            </a:extLst>
-          </a:blip>
-          <a:stretch>
-            <a:fillRect/>
-          </a:stretch>
-        </p:blipFill>
-        <p:spPr>
-          <a:xfrm>
-            <a:off x="8889933" y="4206309"/>
-            <a:ext cx="1295589" cy="1546257"/>
-          </a:xfrm>
-          <a:prstGeom prst="rect">
-            <a:avLst/>
-          </a:prstGeom>
-        </p:spPr>
-      </p:pic>
+          </p:cNvPr>
+          <p:cNvSpPr>
+            <a:spLocks noGrp="1"/>
+          </p:cNvSpPr>
+          <p:nvPr>
+            <p:ph type="title"/>
+          </p:nvPr>
+        </p:nvSpPr>
+        <p:spPr/>
+        <p:txBody>
+          <a:bodyPr/>
+          <a:lstStyle/>
+          <a:p>
+            <a:r>
+              <a:rPr lang="en-CO" dirty="0"/>
+              <a:t>Modelo Rescorla Wagner</a:t>
+            </a:r>
+          </a:p>
+        </p:txBody>
+      </p:sp>
+      <mc:AlternateContent xmlns:mc="http://schemas.openxmlformats.org/markup-compatibility/2006">
+        <mc:Choice xmlns:a14="http://schemas.microsoft.com/office/drawing/2010/main" Requires="a14">
+          <p:sp>
+            <p:nvSpPr>
+              <p:cNvPr id="3" name="Content Placeholder 2">
+                <a:extLst>
+                  <a:ext uri="{FF2B5EF4-FFF2-40B4-BE49-F238E27FC236}">
+                    <a16:creationId xmlns:a16="http://schemas.microsoft.com/office/drawing/2014/main" id="{B9F788C4-7449-D040-A65F-CFFAE7E7341F}"/>
+                  </a:ext>
+                </a:extLst>
+              </p:cNvPr>
+              <p:cNvSpPr>
+                <a:spLocks noGrp="1"/>
+              </p:cNvSpPr>
+              <p:nvPr>
+                <p:ph idx="1"/>
+              </p:nvPr>
+            </p:nvSpPr>
+            <p:spPr/>
+            <p:txBody>
+              <a:bodyPr/>
+              <a:lstStyle/>
+              <a:p>
+                <a:pPr marL="0" indent="0">
+                  <a:buNone/>
+                </a:pPr>
+                <a:r>
+                  <a:rPr lang="en-CO" dirty="0"/>
+                  <a:t>Aprendizaje por refuerzo:</a:t>
+                </a:r>
+              </a:p>
+              <a:p>
+                <a:pPr marL="0" indent="0" algn="ctr">
+                  <a:buNone/>
+                </a:pPr>
+                <a:r>
+                  <a:rPr lang="en-CO" dirty="0"/>
+                  <a:t>Atractivo</a:t>
+                </a:r>
+                <a:r>
+                  <a:rPr lang="en-CO" baseline="-25000" dirty="0"/>
+                  <a:t>t+1</a:t>
+                </a:r>
+                <a:r>
+                  <a:rPr lang="en-CO" dirty="0"/>
+                  <a:t>= Atractivo</a:t>
+                </a:r>
+                <a:r>
+                  <a:rPr lang="en-CO" baseline="-25000" dirty="0"/>
+                  <a:t>t</a:t>
+                </a:r>
+                <a:r>
+                  <a:rPr lang="en-CO" dirty="0"/>
+                  <a:t> + </a:t>
+                </a:r>
+                <a14:m>
+                  <m:oMath xmlns:m="http://schemas.openxmlformats.org/officeDocument/2006/math">
+                    <m:r>
+                      <a:rPr lang="en-CO" i="1" smtClean="0">
+                        <a:latin typeface="Cambria Math" panose="02040503050406030204" pitchFamily="18" charset="0"/>
+                        <a:ea typeface="Cambria Math" panose="02040503050406030204" pitchFamily="18" charset="0"/>
+                      </a:rPr>
+                      <m:t>𝛼</m:t>
+                    </m:r>
+                  </m:oMath>
+                </a14:m>
+                <a:r>
+                  <a:rPr lang="en-CO" dirty="0"/>
+                  <a:t>(r</a:t>
+                </a:r>
+                <a:r>
+                  <a:rPr lang="en-CO" baseline="-25000" dirty="0"/>
+                  <a:t>t</a:t>
+                </a:r>
+                <a:r>
+                  <a:rPr lang="en-CO" dirty="0"/>
+                  <a:t> – Atractivo</a:t>
+                </a:r>
+                <a:r>
+                  <a:rPr lang="en-CO" baseline="-25000" dirty="0"/>
+                  <a:t>t</a:t>
+                </a:r>
+                <a:r>
+                  <a:rPr lang="en-CO" dirty="0"/>
+                  <a:t>)</a:t>
+                </a:r>
+              </a:p>
+              <a:p>
+                <a:pPr marL="0" indent="0">
+                  <a:buNone/>
+                </a:pPr>
+                <a:r>
+                  <a:rPr lang="en-US" dirty="0" err="1"/>
+                  <a:t>Donde</a:t>
+                </a:r>
+                <a:endParaRPr lang="en-US" dirty="0"/>
+              </a:p>
+              <a:p>
+                <a:pPr marL="0" indent="0">
+                  <a:buNone/>
+                </a:pPr>
+                <a:r>
+                  <a:rPr lang="en-US" dirty="0"/>
+                  <a:t>r</a:t>
+                </a:r>
+                <a:r>
+                  <a:rPr lang="en-US" baseline="-25000" dirty="0"/>
+                  <a:t>t</a:t>
+                </a:r>
+                <a:r>
+                  <a:rPr lang="en-US" dirty="0"/>
+                  <a:t> es la </a:t>
+                </a:r>
+                <a:r>
+                  <a:rPr lang="en-US" dirty="0" err="1"/>
+                  <a:t>recompensa</a:t>
+                </a:r>
+                <a:r>
+                  <a:rPr lang="en-US" dirty="0"/>
+                  <a:t> </a:t>
+                </a:r>
+                <a:r>
+                  <a:rPr lang="en-US" dirty="0" err="1"/>
+                  <a:t>en</a:t>
+                </a:r>
+                <a:r>
+                  <a:rPr lang="en-US" dirty="0"/>
+                  <a:t> la </a:t>
+                </a:r>
+                <a:r>
+                  <a:rPr lang="en-US" dirty="0" err="1"/>
+                  <a:t>ronda</a:t>
+                </a:r>
+                <a:r>
+                  <a:rPr lang="en-US" dirty="0"/>
+                  <a:t> t</a:t>
+                </a:r>
+              </a:p>
+              <a:p>
+                <a:pPr marL="0" indent="0">
+                  <a:buNone/>
+                </a:pPr>
+                <a14:m>
+                  <m:oMath xmlns:m="http://schemas.openxmlformats.org/officeDocument/2006/math">
+                    <m:r>
+                      <a:rPr lang="en-US" i="1" smtClean="0">
+                        <a:latin typeface="Cambria Math" panose="02040503050406030204" pitchFamily="18" charset="0"/>
+                        <a:ea typeface="Cambria Math" panose="02040503050406030204" pitchFamily="18" charset="0"/>
+                      </a:rPr>
+                      <m:t>𝛼</m:t>
+                    </m:r>
+                  </m:oMath>
+                </a14:m>
+                <a:r>
+                  <a:rPr lang="en-US" dirty="0"/>
+                  <a:t> es la </a:t>
+                </a:r>
+                <a:r>
+                  <a:rPr lang="en-US" dirty="0" err="1"/>
+                  <a:t>intensidad</a:t>
+                </a:r>
+                <a:r>
+                  <a:rPr lang="en-US" dirty="0"/>
+                  <a:t> del </a:t>
+                </a:r>
+                <a:r>
+                  <a:rPr lang="en-US" dirty="0" err="1"/>
+                  <a:t>aprendizaje</a:t>
+                </a:r>
+                <a:endParaRPr lang="en-US" dirty="0"/>
+              </a:p>
+              <a:p>
+                <a:pPr marL="0" indent="0">
+                  <a:buNone/>
+                </a:pPr>
+                <a:r>
+                  <a:rPr lang="en-US" dirty="0"/>
+                  <a:t>Q</a:t>
+                </a:r>
+                <a:r>
+                  <a:rPr lang="en-US" baseline="-25000" dirty="0"/>
+                  <a:t>0</a:t>
+                </a:r>
+                <a:r>
+                  <a:rPr lang="en-US" dirty="0"/>
+                  <a:t> el </a:t>
+                </a:r>
+                <a:r>
+                  <a:rPr lang="en-US" dirty="0" err="1"/>
+                  <a:t>atractivo</a:t>
+                </a:r>
+                <a:r>
+                  <a:rPr lang="en-US" dirty="0"/>
+                  <a:t> </a:t>
+                </a:r>
+                <a:r>
+                  <a:rPr lang="en-US" dirty="0" err="1"/>
+                  <a:t>inicial</a:t>
+                </a:r>
+                <a:r>
+                  <a:rPr lang="en-US" dirty="0"/>
+                  <a:t> de </a:t>
+                </a:r>
+                <a:r>
+                  <a:rPr lang="en-US" dirty="0" err="1"/>
+                  <a:t>ir</a:t>
+                </a:r>
+                <a:r>
+                  <a:rPr lang="en-US" dirty="0"/>
+                  <a:t> al bar</a:t>
+                </a:r>
+                <a:endParaRPr lang="en-CO" dirty="0"/>
+              </a:p>
+            </p:txBody>
+          </p:sp>
+        </mc:Choice>
+        <mc:Fallback>
+          <p:sp>
+            <p:nvSpPr>
+              <p:cNvPr id="3" name="Content Placeholder 2">
+                <a:extLst>
+                  <a:ext uri="{FF2B5EF4-FFF2-40B4-BE49-F238E27FC236}">
+                    <a16:creationId xmlns:a16="http://schemas.microsoft.com/office/drawing/2014/main" id="{B9F788C4-7449-D040-A65F-CFFAE7E7341F}"/>
+                  </a:ext>
+                </a:extLst>
+              </p:cNvPr>
+              <p:cNvSpPr>
+                <a:spLocks noGrp="1" noRot="1" noChangeAspect="1" noMove="1" noResize="1" noEditPoints="1" noAdjustHandles="1" noChangeArrowheads="1" noChangeShapeType="1" noTextEdit="1"/>
+              </p:cNvSpPr>
+              <p:nvPr>
+                <p:ph idx="1"/>
+              </p:nvPr>
+            </p:nvSpPr>
+            <p:spPr>
+              <a:blipFill>
+                <a:blip r:embed="rId2"/>
+                <a:stretch>
+                  <a:fillRect l="-1206" t="-2326"/>
+                </a:stretch>
+              </a:blipFill>
+            </p:spPr>
+            <p:txBody>
+              <a:bodyPr/>
+              <a:lstStyle/>
+              <a:p>
+                <a:r>
+                  <a:rPr lang="en-CO">
+                    <a:noFill/>
+                  </a:rPr>
+                  <a:t> </a:t>
+                </a:r>
+              </a:p>
+            </p:txBody>
+          </p:sp>
+        </mc:Fallback>
+      </mc:AlternateContent>
     </p:spTree>
     <p:extLst>
       <p:ext uri="{BB962C8B-B14F-4D97-AF65-F5344CB8AC3E}">
-        <p14:creationId xmlns:p14="http://schemas.microsoft.com/office/powerpoint/2010/main" val="967904105"/>
+        <p14:creationId xmlns:p14="http://schemas.microsoft.com/office/powerpoint/2010/main" val="1149257451"/>
       </p:ext>
     </p:extLst>
   </p:cSld>
   <p:clrMapOvr>
     <a:masterClrMapping/>
   </p:clrMapOvr>
-  <p:timing>
-    <p:tnLst>
-      <p:par>
-        <p:cTn id="1" dur="indefinite" restart="never" nodeType="tmRoot">
-          <p:childTnLst>
-            <p:seq concurrent="1" nextAc="seek">
-              <p:cTn id="2" dur="indefinite" nodeType="mainSeq">
-                <p:childTnLst>
-                  <p:par>
-                    <p:cTn id="3" fill="hold">
-                      <p:stCondLst>
-                        <p:cond delay="indefinite"/>
-                      </p:stCondLst>
-                      <p:childTnLst>
-                        <p:par>
-                          <p:cTn id="4" fill="hold">
-                            <p:stCondLst>
-                              <p:cond delay="0"/>
-                            </p:stCondLst>
-                            <p:childTnLst>
-                              <p:par>
-                                <p:cTn id="5" presetID="1" presetClass="entr" presetSubtype="0" fill="hold" nodeType="clickEffect">
-                                  <p:stCondLst>
-                                    <p:cond delay="0"/>
-                                  </p:stCondLst>
-                                  <p:childTnLst>
-                                    <p:set>
-                                      <p:cBhvr>
-                                        <p:cTn id="6" dur="1" fill="hold">
-                                          <p:stCondLst>
-                                            <p:cond delay="0"/>
-                                          </p:stCondLst>
-                                        </p:cTn>
-                                        <p:tgtEl>
-                                          <p:spTgt spid="12"/>
-                                        </p:tgtEl>
-                                        <p:attrNameLst>
-                                          <p:attrName>style.visibility</p:attrName>
-                                        </p:attrNameLst>
-                                      </p:cBhvr>
-                                      <p:to>
-                                        <p:strVal val="visible"/>
-                                      </p:to>
-                                    </p:set>
-                                  </p:childTnLst>
-                                </p:cTn>
-                              </p:par>
-                              <p:par>
-                                <p:cTn id="7" presetID="1" presetClass="entr" presetSubtype="0" fill="hold" nodeType="withEffect">
-                                  <p:stCondLst>
-                                    <p:cond delay="0"/>
-                                  </p:stCondLst>
-                                  <p:childTnLst>
-                                    <p:set>
-                                      <p:cBhvr>
-                                        <p:cTn id="8" dur="1" fill="hold">
-                                          <p:stCondLst>
-                                            <p:cond delay="0"/>
-                                          </p:stCondLst>
-                                        </p:cTn>
-                                        <p:tgtEl>
-                                          <p:spTgt spid="13"/>
-                                        </p:tgtEl>
-                                        <p:attrNameLst>
-                                          <p:attrName>style.visibility</p:attrName>
-                                        </p:attrNameLst>
-                                      </p:cBhvr>
-                                      <p:to>
-                                        <p:strVal val="visible"/>
-                                      </p:to>
-                                    </p:set>
-                                  </p:childTnLst>
-                                </p:cTn>
-                              </p:par>
-                              <p:par>
-                                <p:cTn id="9" presetID="1" presetClass="entr" presetSubtype="0" fill="hold" nodeType="withEffect">
-                                  <p:stCondLst>
-                                    <p:cond delay="0"/>
-                                  </p:stCondLst>
-                                  <p:childTnLst>
-                                    <p:set>
-                                      <p:cBhvr>
-                                        <p:cTn id="10" dur="1" fill="hold">
-                                          <p:stCondLst>
-                                            <p:cond delay="0"/>
-                                          </p:stCondLst>
-                                        </p:cTn>
-                                        <p:tgtEl>
-                                          <p:spTgt spid="14"/>
-                                        </p:tgtEl>
-                                        <p:attrNameLst>
-                                          <p:attrName>style.visibility</p:attrName>
-                                        </p:attrNameLst>
-                                      </p:cBhvr>
-                                      <p:to>
-                                        <p:strVal val="visible"/>
-                                      </p:to>
-                                    </p:set>
-                                  </p:childTnLst>
-                                </p:cTn>
-                              </p:par>
-                            </p:childTnLst>
-                          </p:cTn>
-                        </p:par>
-                      </p:childTnLst>
-                    </p:cTn>
-                  </p:par>
-                  <p:par>
-                    <p:cTn id="11" fill="hold">
-                      <p:stCondLst>
-                        <p:cond delay="indefinite"/>
-                      </p:stCondLst>
-                      <p:childTnLst>
-                        <p:par>
-                          <p:cTn id="12" fill="hold">
-                            <p:stCondLst>
-                              <p:cond delay="0"/>
-                            </p:stCondLst>
-                            <p:childTnLst>
-                              <p:par>
-                                <p:cTn id="13" presetID="1" presetClass="entr" presetSubtype="0" fill="hold" nodeType="clickEffect">
-                                  <p:stCondLst>
-                                    <p:cond delay="0"/>
-                                  </p:stCondLst>
-                                  <p:childTnLst>
-                                    <p:set>
-                                      <p:cBhvr>
-                                        <p:cTn id="14" dur="1" fill="hold">
-                                          <p:stCondLst>
-                                            <p:cond delay="0"/>
-                                          </p:stCondLst>
-                                        </p:cTn>
-                                        <p:tgtEl>
-                                          <p:spTgt spid="10"/>
-                                        </p:tgtEl>
-                                        <p:attrNameLst>
-                                          <p:attrName>style.visibility</p:attrName>
-                                        </p:attrNameLst>
-                                      </p:cBhvr>
-                                      <p:to>
-                                        <p:strVal val="visible"/>
-                                      </p:to>
-                                    </p:set>
-                                  </p:childTnLst>
-                                </p:cTn>
-                              </p:par>
-                              <p:par>
-                                <p:cTn id="15" presetID="1" presetClass="entr" presetSubtype="0" fill="hold" nodeType="withEffect">
-                                  <p:stCondLst>
-                                    <p:cond delay="0"/>
-                                  </p:stCondLst>
-                                  <p:childTnLst>
-                                    <p:set>
-                                      <p:cBhvr>
-                                        <p:cTn id="16" dur="1" fill="hold">
-                                          <p:stCondLst>
-                                            <p:cond delay="0"/>
-                                          </p:stCondLst>
-                                        </p:cTn>
-                                        <p:tgtEl>
-                                          <p:spTgt spid="15"/>
-                                        </p:tgtEl>
-                                        <p:attrNameLst>
-                                          <p:attrName>style.visibility</p:attrName>
-                                        </p:attrNameLst>
-                                      </p:cBhvr>
-                                      <p:to>
-                                        <p:strVal val="visible"/>
-                                      </p:to>
-                                    </p:set>
-                                  </p:childTnLst>
-                                </p:cTn>
-                              </p:par>
-                              <p:par>
-                                <p:cTn id="17" presetID="1" presetClass="entr" presetSubtype="0" fill="hold" nodeType="withEffect">
-                                  <p:stCondLst>
-                                    <p:cond delay="0"/>
-                                  </p:stCondLst>
-                                  <p:childTnLst>
-                                    <p:set>
-                                      <p:cBhvr>
-                                        <p:cTn id="18" dur="1" fill="hold">
-                                          <p:stCondLst>
-                                            <p:cond delay="0"/>
-                                          </p:stCondLst>
-                                        </p:cTn>
-                                        <p:tgtEl>
-                                          <p:spTgt spid="16"/>
-                                        </p:tgtEl>
-                                        <p:attrNameLst>
-                                          <p:attrName>style.visibility</p:attrName>
-                                        </p:attrNameLst>
-                                      </p:cBhvr>
-                                      <p:to>
-                                        <p:strVal val="visible"/>
-                                      </p:to>
-                                    </p:set>
-                                  </p:childTnLst>
-                                </p:cTn>
-                              </p:par>
-                              <p:par>
-                                <p:cTn id="19" presetID="1" presetClass="entr" presetSubtype="0" fill="hold" nodeType="withEffect">
-                                  <p:stCondLst>
-                                    <p:cond delay="0"/>
-                                  </p:stCondLst>
-                                  <p:childTnLst>
-                                    <p:set>
-                                      <p:cBhvr>
-                                        <p:cTn id="20" dur="1" fill="hold">
-                                          <p:stCondLst>
-                                            <p:cond delay="0"/>
-                                          </p:stCondLst>
-                                        </p:cTn>
-                                        <p:tgtEl>
-                                          <p:spTgt spid="17"/>
-                                        </p:tgtEl>
-                                        <p:attrNameLst>
-                                          <p:attrName>style.visibility</p:attrName>
-                                        </p:attrNameLst>
-                                      </p:cBhvr>
-                                      <p:to>
-                                        <p:strVal val="visible"/>
-                                      </p:to>
-                                    </p:set>
-                                  </p:childTnLst>
-                                </p:cTn>
-                              </p:par>
-                            </p:childTnLst>
-                          </p:cTn>
-                        </p:par>
-                      </p:childTnLst>
-                    </p:cTn>
-                  </p:par>
-                </p:childTnLst>
-              </p:cTn>
-              <p:prevCondLst>
-                <p:cond evt="onPrev" delay="0">
-                  <p:tgtEl>
-                    <p:sldTgt/>
-                  </p:tgtEl>
-                </p:cond>
-              </p:prevCondLst>
-              <p:nextCondLst>
-                <p:cond evt="onNext" delay="0">
-                  <p:tgtEl>
-                    <p:sldTgt/>
-                  </p:tgtEl>
-                </p:cond>
-              </p:nextCondLst>
-            </p:seq>
-          </p:childTnLst>
-        </p:cTn>
-      </p:par>
-    </p:tnLst>
-  </p:timing>
 </p:sld>
 </file>
 

--- a/Presentaciones/MSCFC.pptx
+++ b/Presentaciones/MSCFC.pptx
@@ -11,6 +11,7 @@
     <p:sldId id="259" r:id="rId5"/>
     <p:sldId id="266" r:id="rId6"/>
     <p:sldId id="276" r:id="rId7"/>
+    <p:sldId id="277" r:id="rId8"/>
   </p:sldIdLst>
   <p:sldSz cx="12192000" cy="6858000"/>
   <p:notesSz cx="6858000" cy="9144000"/>
@@ -6400,6 +6401,293 @@
 </p:sld>
 </file>
 
+<file path=ppt/slides/slide7.xml><?xml version="1.0" encoding="utf-8"?>
+<p:sld xmlns:a="http://schemas.openxmlformats.org/drawingml/2006/main" xmlns:r="http://schemas.openxmlformats.org/officeDocument/2006/relationships" xmlns:p="http://schemas.openxmlformats.org/presentationml/2006/main">
+  <p:cSld>
+    <p:spTree>
+      <p:nvGrpSpPr>
+        <p:cNvPr id="1" name=""/>
+        <p:cNvGrpSpPr/>
+        <p:nvPr/>
+      </p:nvGrpSpPr>
+      <p:grpSpPr>
+        <a:xfrm>
+          <a:off x="0" y="0"/>
+          <a:ext cx="0" cy="0"/>
+          <a:chOff x="0" y="0"/>
+          <a:chExt cx="0" cy="0"/>
+        </a:xfrm>
+      </p:grpSpPr>
+      <p:sp>
+        <p:nvSpPr>
+          <p:cNvPr id="2" name="Title 1">
+            <a:extLst>
+              <a:ext uri="{FF2B5EF4-FFF2-40B4-BE49-F238E27FC236}">
+                <a16:creationId xmlns:a16="http://schemas.microsoft.com/office/drawing/2014/main" id="{958893AC-3BD6-2B43-A4C8-22B609DB907B}"/>
+              </a:ext>
+            </a:extLst>
+          </p:cNvPr>
+          <p:cNvSpPr>
+            <a:spLocks noGrp="1"/>
+          </p:cNvSpPr>
+          <p:nvPr>
+            <p:ph type="title"/>
+          </p:nvPr>
+        </p:nvSpPr>
+        <p:spPr/>
+        <p:txBody>
+          <a:bodyPr/>
+          <a:lstStyle/>
+          <a:p>
+            <a:r>
+              <a:rPr lang="en-CO" dirty="0"/>
+              <a:t>Literatura</a:t>
+            </a:r>
+          </a:p>
+        </p:txBody>
+      </p:sp>
+      <p:pic>
+        <p:nvPicPr>
+          <p:cNvPr id="5" name="Picture 4" descr="Text, letter&#10;&#10;Description automatically generated">
+            <a:extLst>
+              <a:ext uri="{FF2B5EF4-FFF2-40B4-BE49-F238E27FC236}">
+                <a16:creationId xmlns:a16="http://schemas.microsoft.com/office/drawing/2014/main" id="{C147238E-3760-F54D-BD87-06081C986465}"/>
+              </a:ext>
+            </a:extLst>
+          </p:cNvPr>
+          <p:cNvPicPr>
+            <a:picLocks noChangeAspect="1"/>
+          </p:cNvPicPr>
+          <p:nvPr/>
+        </p:nvPicPr>
+        <p:blipFill>
+          <a:blip r:embed="rId2">
+            <a:extLst>
+              <a:ext uri="{28A0092B-C50C-407E-A947-70E740481C1C}">
+                <a14:useLocalDpi xmlns:a14="http://schemas.microsoft.com/office/drawing/2010/main" val="0"/>
+              </a:ext>
+            </a:extLst>
+          </a:blip>
+          <a:stretch>
+            <a:fillRect/>
+          </a:stretch>
+        </p:blipFill>
+        <p:spPr>
+          <a:xfrm>
+            <a:off x="833123" y="1690690"/>
+            <a:ext cx="2884007" cy="3725951"/>
+          </a:xfrm>
+          <a:prstGeom prst="rect">
+            <a:avLst/>
+          </a:prstGeom>
+        </p:spPr>
+      </p:pic>
+      <p:pic>
+        <p:nvPicPr>
+          <p:cNvPr id="7" name="Picture 6" descr="Text&#10;&#10;Description automatically generated">
+            <a:extLst>
+              <a:ext uri="{FF2B5EF4-FFF2-40B4-BE49-F238E27FC236}">
+                <a16:creationId xmlns:a16="http://schemas.microsoft.com/office/drawing/2014/main" id="{A8DFBDC2-B662-3849-AFAC-714DF8771F1C}"/>
+              </a:ext>
+            </a:extLst>
+          </p:cNvPr>
+          <p:cNvPicPr>
+            <a:picLocks noChangeAspect="1"/>
+          </p:cNvPicPr>
+          <p:nvPr/>
+        </p:nvPicPr>
+        <p:blipFill>
+          <a:blip r:embed="rId3">
+            <a:extLst>
+              <a:ext uri="{28A0092B-C50C-407E-A947-70E740481C1C}">
+                <a14:useLocalDpi xmlns:a14="http://schemas.microsoft.com/office/drawing/2010/main" val="0"/>
+              </a:ext>
+            </a:extLst>
+          </a:blip>
+          <a:stretch>
+            <a:fillRect/>
+          </a:stretch>
+        </p:blipFill>
+        <p:spPr>
+          <a:xfrm>
+            <a:off x="4754810" y="1690689"/>
+            <a:ext cx="2903640" cy="3725951"/>
+          </a:xfrm>
+          <a:prstGeom prst="rect">
+            <a:avLst/>
+          </a:prstGeom>
+        </p:spPr>
+      </p:pic>
+      <p:pic>
+        <p:nvPicPr>
+          <p:cNvPr id="9" name="Picture 8" descr="A picture containing graphical user interface&#10;&#10;Description automatically generated">
+            <a:extLst>
+              <a:ext uri="{FF2B5EF4-FFF2-40B4-BE49-F238E27FC236}">
+                <a16:creationId xmlns:a16="http://schemas.microsoft.com/office/drawing/2014/main" id="{D3FF2BCE-DB60-774A-9141-659BBA852127}"/>
+              </a:ext>
+            </a:extLst>
+          </p:cNvPr>
+          <p:cNvPicPr>
+            <a:picLocks noChangeAspect="1"/>
+          </p:cNvPicPr>
+          <p:nvPr/>
+        </p:nvPicPr>
+        <p:blipFill>
+          <a:blip r:embed="rId4">
+            <a:extLst>
+              <a:ext uri="{28A0092B-C50C-407E-A947-70E740481C1C}">
+                <a14:useLocalDpi xmlns:a14="http://schemas.microsoft.com/office/drawing/2010/main" val="0"/>
+              </a:ext>
+            </a:extLst>
+          </a:blip>
+          <a:stretch>
+            <a:fillRect/>
+          </a:stretch>
+        </p:blipFill>
+        <p:spPr>
+          <a:xfrm>
+            <a:off x="8696129" y="1690688"/>
+            <a:ext cx="2657671" cy="3725951"/>
+          </a:xfrm>
+          <a:prstGeom prst="rect">
+            <a:avLst/>
+          </a:prstGeom>
+        </p:spPr>
+      </p:pic>
+      <p:sp>
+        <p:nvSpPr>
+          <p:cNvPr id="10" name="TextBox 9">
+            <a:extLst>
+              <a:ext uri="{FF2B5EF4-FFF2-40B4-BE49-F238E27FC236}">
+                <a16:creationId xmlns:a16="http://schemas.microsoft.com/office/drawing/2014/main" id="{5E1F6D45-173C-6D46-B7A1-2021290F2A9A}"/>
+              </a:ext>
+            </a:extLst>
+          </p:cNvPr>
+          <p:cNvSpPr txBox="1"/>
+          <p:nvPr/>
+        </p:nvSpPr>
+        <p:spPr>
+          <a:xfrm>
+            <a:off x="833123" y="5786203"/>
+            <a:ext cx="2884007" cy="646331"/>
+          </a:xfrm>
+          <a:prstGeom prst="rect">
+            <a:avLst/>
+          </a:prstGeom>
+          <a:noFill/>
+        </p:spPr>
+        <p:txBody>
+          <a:bodyPr wrap="square" rtlCol="0">
+            <a:spAutoFit/>
+          </a:bodyPr>
+          <a:lstStyle/>
+          <a:p>
+            <a:pPr algn="ctr"/>
+            <a:r>
+              <a:rPr lang="en-CO" dirty="0"/>
+              <a:t>The El Farol Problem</a:t>
+            </a:r>
+          </a:p>
+          <a:p>
+            <a:pPr algn="ctr"/>
+            <a:r>
+              <a:rPr lang="en-CO" dirty="0"/>
+              <a:t>Arthur (1994)</a:t>
+            </a:r>
+          </a:p>
+        </p:txBody>
+      </p:sp>
+      <p:sp>
+        <p:nvSpPr>
+          <p:cNvPr id="12" name="Rectangle 11">
+            <a:extLst>
+              <a:ext uri="{FF2B5EF4-FFF2-40B4-BE49-F238E27FC236}">
+                <a16:creationId xmlns:a16="http://schemas.microsoft.com/office/drawing/2014/main" id="{CD245108-B05B-0549-9103-A9E604BEECDC}"/>
+              </a:ext>
+            </a:extLst>
+          </p:cNvPr>
+          <p:cNvSpPr/>
+          <p:nvPr/>
+        </p:nvSpPr>
+        <p:spPr>
+          <a:xfrm>
+            <a:off x="4754810" y="5509203"/>
+            <a:ext cx="2884007" cy="1200329"/>
+          </a:xfrm>
+          <a:prstGeom prst="rect">
+            <a:avLst/>
+          </a:prstGeom>
+        </p:spPr>
+        <p:txBody>
+          <a:bodyPr wrap="square">
+            <a:spAutoFit/>
+          </a:bodyPr>
+          <a:lstStyle/>
+          <a:p>
+            <a:pPr algn="ctr"/>
+            <a:r>
+              <a:rPr lang="en-CO" dirty="0"/>
+              <a:t>Ten simple rules for computational modelling of behavioral data</a:t>
+            </a:r>
+          </a:p>
+          <a:p>
+            <a:pPr algn="ctr"/>
+            <a:r>
+              <a:rPr lang="en-CO" dirty="0"/>
+              <a:t>Wilson &amp; Collins (2019)</a:t>
+            </a:r>
+          </a:p>
+        </p:txBody>
+      </p:sp>
+      <p:sp>
+        <p:nvSpPr>
+          <p:cNvPr id="13" name="TextBox 12">
+            <a:extLst>
+              <a:ext uri="{FF2B5EF4-FFF2-40B4-BE49-F238E27FC236}">
+                <a16:creationId xmlns:a16="http://schemas.microsoft.com/office/drawing/2014/main" id="{8C676B94-DE00-204A-BD75-6FBF64F73699}"/>
+              </a:ext>
+            </a:extLst>
+          </p:cNvPr>
+          <p:cNvSpPr txBox="1"/>
+          <p:nvPr/>
+        </p:nvSpPr>
+        <p:spPr>
+          <a:xfrm>
+            <a:off x="8696129" y="5924701"/>
+            <a:ext cx="2657671" cy="646331"/>
+          </a:xfrm>
+          <a:prstGeom prst="rect">
+            <a:avLst/>
+          </a:prstGeom>
+          <a:noFill/>
+        </p:spPr>
+        <p:txBody>
+          <a:bodyPr wrap="square" rtlCol="0">
+            <a:spAutoFit/>
+          </a:bodyPr>
+          <a:lstStyle/>
+          <a:p>
+            <a:pPr algn="ctr"/>
+            <a:r>
+              <a:rPr lang="en-CO" dirty="0"/>
+              <a:t>Farrell &amp; Lewandowsky (2018)</a:t>
+            </a:r>
+          </a:p>
+        </p:txBody>
+      </p:sp>
+    </p:spTree>
+    <p:extLst>
+      <p:ext uri="{BB962C8B-B14F-4D97-AF65-F5344CB8AC3E}">
+        <p14:creationId xmlns:p14="http://schemas.microsoft.com/office/powerpoint/2010/main" val="887136528"/>
+      </p:ext>
+    </p:extLst>
+  </p:cSld>
+  <p:clrMapOvr>
+    <a:masterClrMapping/>
+  </p:clrMapOvr>
+</p:sld>
+</file>
+
 <file path=ppt/theme/theme1.xml><?xml version="1.0" encoding="utf-8"?>
 <a:theme xmlns:a="http://schemas.openxmlformats.org/drawingml/2006/main" name="Tema de Office">
   <a:themeElements>

--- a/Presentaciones/MSCFC.pptx
+++ b/Presentaciones/MSCFC.pptx
@@ -3140,7 +3140,7 @@
         </p:blipFill>
         <p:spPr>
           <a:xfrm>
-            <a:off x="838200" y="2275576"/>
+            <a:off x="838200" y="1690687"/>
             <a:ext cx="6781800" cy="2746629"/>
           </a:xfrm>
         </p:spPr>
@@ -3266,6 +3266,42 @@
           </a:p>
         </p:txBody>
       </p:sp>
+      <p:pic>
+        <p:nvPicPr>
+          <p:cNvPr id="6" name="Picture 5" descr="Logo, company name&#10;&#10;Description automatically generated">
+            <a:extLst>
+              <a:ext uri="{FF2B5EF4-FFF2-40B4-BE49-F238E27FC236}">
+                <a16:creationId xmlns:a16="http://schemas.microsoft.com/office/drawing/2014/main" id="{BE8F3C80-8720-224A-B2C5-9E88327E932E}"/>
+              </a:ext>
+            </a:extLst>
+          </p:cNvPr>
+          <p:cNvPicPr>
+            <a:picLocks noChangeAspect="1"/>
+          </p:cNvPicPr>
+          <p:nvPr/>
+        </p:nvPicPr>
+        <p:blipFill>
+          <a:blip r:embed="rId3">
+            <a:extLst>
+              <a:ext uri="{28A0092B-C50C-407E-A947-70E740481C1C}">
+                <a14:useLocalDpi xmlns:a14="http://schemas.microsoft.com/office/drawing/2010/main" val="0"/>
+              </a:ext>
+            </a:extLst>
+          </a:blip>
+          <a:stretch>
+            <a:fillRect/>
+          </a:stretch>
+        </p:blipFill>
+        <p:spPr>
+          <a:xfrm>
+            <a:off x="3086725" y="4793133"/>
+            <a:ext cx="1460935" cy="1699742"/>
+          </a:xfrm>
+          <a:prstGeom prst="rect">
+            <a:avLst/>
+          </a:prstGeom>
+        </p:spPr>
+      </p:pic>
     </p:spTree>
     <p:extLst>
       <p:ext uri="{BB962C8B-B14F-4D97-AF65-F5344CB8AC3E}">
@@ -3276,6 +3312,332 @@
   <p:clrMapOvr>
     <a:masterClrMapping/>
   </p:clrMapOvr>
+  <p:timing>
+    <p:tnLst>
+      <p:par>
+        <p:cTn id="1" dur="indefinite" restart="never" nodeType="tmRoot">
+          <p:childTnLst>
+            <p:seq concurrent="1" nextAc="seek">
+              <p:cTn id="2" dur="indefinite" nodeType="mainSeq">
+                <p:childTnLst>
+                  <p:par>
+                    <p:cTn id="3" fill="hold">
+                      <p:stCondLst>
+                        <p:cond delay="indefinite"/>
+                      </p:stCondLst>
+                      <p:childTnLst>
+                        <p:par>
+                          <p:cTn id="4" fill="hold">
+                            <p:stCondLst>
+                              <p:cond delay="0"/>
+                            </p:stCondLst>
+                            <p:childTnLst>
+                              <p:par>
+                                <p:cTn id="5" presetID="26" presetClass="entr" presetSubtype="0" fill="hold" nodeType="clickEffect">
+                                  <p:stCondLst>
+                                    <p:cond delay="0"/>
+                                  </p:stCondLst>
+                                  <p:childTnLst>
+                                    <p:set>
+                                      <p:cBhvr>
+                                        <p:cTn id="6" dur="1" fill="hold">
+                                          <p:stCondLst>
+                                            <p:cond delay="0"/>
+                                          </p:stCondLst>
+                                        </p:cTn>
+                                        <p:tgtEl>
+                                          <p:spTgt spid="6"/>
+                                        </p:tgtEl>
+                                        <p:attrNameLst>
+                                          <p:attrName>style.visibility</p:attrName>
+                                        </p:attrNameLst>
+                                      </p:cBhvr>
+                                      <p:to>
+                                        <p:strVal val="visible"/>
+                                      </p:to>
+                                    </p:set>
+                                    <p:animEffect transition="in" filter="wipe(down)">
+                                      <p:cBhvr>
+                                        <p:cTn id="7" dur="580">
+                                          <p:stCondLst>
+                                            <p:cond delay="0"/>
+                                          </p:stCondLst>
+                                        </p:cTn>
+                                        <p:tgtEl>
+                                          <p:spTgt spid="6"/>
+                                        </p:tgtEl>
+                                      </p:cBhvr>
+                                    </p:animEffect>
+                                    <p:anim calcmode="lin" valueType="num">
+                                      <p:cBhvr>
+                                        <p:cTn id="8" dur="1822" tmFilter="0,0; 0.14,0.36; 0.43,0.73; 0.71,0.91; 1.0,1.0">
+                                          <p:stCondLst>
+                                            <p:cond delay="0"/>
+                                          </p:stCondLst>
+                                        </p:cTn>
+                                        <p:tgtEl>
+                                          <p:spTgt spid="6"/>
+                                        </p:tgtEl>
+                                        <p:attrNameLst>
+                                          <p:attrName>ppt_x</p:attrName>
+                                        </p:attrNameLst>
+                                      </p:cBhvr>
+                                      <p:tavLst>
+                                        <p:tav tm="0">
+                                          <p:val>
+                                            <p:strVal val="#ppt_x-0.25"/>
+                                          </p:val>
+                                        </p:tav>
+                                        <p:tav tm="100000">
+                                          <p:val>
+                                            <p:strVal val="#ppt_x"/>
+                                          </p:val>
+                                        </p:tav>
+                                      </p:tavLst>
+                                    </p:anim>
+                                    <p:anim calcmode="lin" valueType="num">
+                                      <p:cBhvr>
+                                        <p:cTn id="9" dur="664" tmFilter="0.0,0.0; 0.25,0.07; 0.50,0.2; 0.75,0.467; 1.0,1.0">
+                                          <p:stCondLst>
+                                            <p:cond delay="0"/>
+                                          </p:stCondLst>
+                                        </p:cTn>
+                                        <p:tgtEl>
+                                          <p:spTgt spid="6"/>
+                                        </p:tgtEl>
+                                        <p:attrNameLst>
+                                          <p:attrName>ppt_y</p:attrName>
+                                        </p:attrNameLst>
+                                      </p:cBhvr>
+                                      <p:tavLst>
+                                        <p:tav tm="0" fmla="#ppt_y-sin(pi*$)/3">
+                                          <p:val>
+                                            <p:fltVal val="0.5"/>
+                                          </p:val>
+                                        </p:tav>
+                                        <p:tav tm="100000">
+                                          <p:val>
+                                            <p:fltVal val="1"/>
+                                          </p:val>
+                                        </p:tav>
+                                      </p:tavLst>
+                                    </p:anim>
+                                    <p:anim calcmode="lin" valueType="num">
+                                      <p:cBhvr>
+                                        <p:cTn id="10" dur="664" tmFilter="0, 0; 0.125,0.2665; 0.25,0.4; 0.375,0.465; 0.5,0.5;  0.625,0.535; 0.75,0.6; 0.875,0.7335; 1,1">
+                                          <p:stCondLst>
+                                            <p:cond delay="664"/>
+                                          </p:stCondLst>
+                                        </p:cTn>
+                                        <p:tgtEl>
+                                          <p:spTgt spid="6"/>
+                                        </p:tgtEl>
+                                        <p:attrNameLst>
+                                          <p:attrName>ppt_y</p:attrName>
+                                        </p:attrNameLst>
+                                      </p:cBhvr>
+                                      <p:tavLst>
+                                        <p:tav tm="0" fmla="#ppt_y-sin(pi*$)/9">
+                                          <p:val>
+                                            <p:fltVal val="0"/>
+                                          </p:val>
+                                        </p:tav>
+                                        <p:tav tm="100000">
+                                          <p:val>
+                                            <p:fltVal val="1"/>
+                                          </p:val>
+                                        </p:tav>
+                                      </p:tavLst>
+                                    </p:anim>
+                                    <p:anim calcmode="lin" valueType="num">
+                                      <p:cBhvr>
+                                        <p:cTn id="11" dur="332" tmFilter="0, 0; 0.125,0.2665; 0.25,0.4; 0.375,0.465; 0.5,0.5;  0.625,0.535; 0.75,0.6; 0.875,0.7335; 1,1">
+                                          <p:stCondLst>
+                                            <p:cond delay="1324"/>
+                                          </p:stCondLst>
+                                        </p:cTn>
+                                        <p:tgtEl>
+                                          <p:spTgt spid="6"/>
+                                        </p:tgtEl>
+                                        <p:attrNameLst>
+                                          <p:attrName>ppt_y</p:attrName>
+                                        </p:attrNameLst>
+                                      </p:cBhvr>
+                                      <p:tavLst>
+                                        <p:tav tm="0" fmla="#ppt_y-sin(pi*$)/27">
+                                          <p:val>
+                                            <p:fltVal val="0"/>
+                                          </p:val>
+                                        </p:tav>
+                                        <p:tav tm="100000">
+                                          <p:val>
+                                            <p:fltVal val="1"/>
+                                          </p:val>
+                                        </p:tav>
+                                      </p:tavLst>
+                                    </p:anim>
+                                    <p:anim calcmode="lin" valueType="num">
+                                      <p:cBhvr>
+                                        <p:cTn id="12" dur="164" tmFilter="0, 0; 0.125,0.2665; 0.25,0.4; 0.375,0.465; 0.5,0.5;  0.625,0.535; 0.75,0.6; 0.875,0.7335; 1,1">
+                                          <p:stCondLst>
+                                            <p:cond delay="1656"/>
+                                          </p:stCondLst>
+                                        </p:cTn>
+                                        <p:tgtEl>
+                                          <p:spTgt spid="6"/>
+                                        </p:tgtEl>
+                                        <p:attrNameLst>
+                                          <p:attrName>ppt_y</p:attrName>
+                                        </p:attrNameLst>
+                                      </p:cBhvr>
+                                      <p:tavLst>
+                                        <p:tav tm="0" fmla="#ppt_y-sin(pi*$)/81">
+                                          <p:val>
+                                            <p:fltVal val="0"/>
+                                          </p:val>
+                                        </p:tav>
+                                        <p:tav tm="100000">
+                                          <p:val>
+                                            <p:fltVal val="1"/>
+                                          </p:val>
+                                        </p:tav>
+                                      </p:tavLst>
+                                    </p:anim>
+                                    <p:animScale>
+                                      <p:cBhvr>
+                                        <p:cTn id="13" dur="26">
+                                          <p:stCondLst>
+                                            <p:cond delay="650"/>
+                                          </p:stCondLst>
+                                        </p:cTn>
+                                        <p:tgtEl>
+                                          <p:spTgt spid="6"/>
+                                        </p:tgtEl>
+                                      </p:cBhvr>
+                                      <p:to x="100000" y="60000"/>
+                                    </p:animScale>
+                                    <p:animScale>
+                                      <p:cBhvr>
+                                        <p:cTn id="14" dur="166" decel="50000">
+                                          <p:stCondLst>
+                                            <p:cond delay="676"/>
+                                          </p:stCondLst>
+                                        </p:cTn>
+                                        <p:tgtEl>
+                                          <p:spTgt spid="6"/>
+                                        </p:tgtEl>
+                                      </p:cBhvr>
+                                      <p:to x="100000" y="100000"/>
+                                    </p:animScale>
+                                    <p:animScale>
+                                      <p:cBhvr>
+                                        <p:cTn id="15" dur="26">
+                                          <p:stCondLst>
+                                            <p:cond delay="1312"/>
+                                          </p:stCondLst>
+                                        </p:cTn>
+                                        <p:tgtEl>
+                                          <p:spTgt spid="6"/>
+                                        </p:tgtEl>
+                                      </p:cBhvr>
+                                      <p:to x="100000" y="80000"/>
+                                    </p:animScale>
+                                    <p:animScale>
+                                      <p:cBhvr>
+                                        <p:cTn id="16" dur="166" decel="50000">
+                                          <p:stCondLst>
+                                            <p:cond delay="1338"/>
+                                          </p:stCondLst>
+                                        </p:cTn>
+                                        <p:tgtEl>
+                                          <p:spTgt spid="6"/>
+                                        </p:tgtEl>
+                                      </p:cBhvr>
+                                      <p:to x="100000" y="100000"/>
+                                    </p:animScale>
+                                    <p:animScale>
+                                      <p:cBhvr>
+                                        <p:cTn id="17" dur="26">
+                                          <p:stCondLst>
+                                            <p:cond delay="1642"/>
+                                          </p:stCondLst>
+                                        </p:cTn>
+                                        <p:tgtEl>
+                                          <p:spTgt spid="6"/>
+                                        </p:tgtEl>
+                                      </p:cBhvr>
+                                      <p:to x="100000" y="90000"/>
+                                    </p:animScale>
+                                    <p:animScale>
+                                      <p:cBhvr>
+                                        <p:cTn id="18" dur="166" decel="50000">
+                                          <p:stCondLst>
+                                            <p:cond delay="1668"/>
+                                          </p:stCondLst>
+                                        </p:cTn>
+                                        <p:tgtEl>
+                                          <p:spTgt spid="6"/>
+                                        </p:tgtEl>
+                                      </p:cBhvr>
+                                      <p:to x="100000" y="100000"/>
+                                    </p:animScale>
+                                    <p:animScale>
+                                      <p:cBhvr>
+                                        <p:cTn id="19" dur="26">
+                                          <p:stCondLst>
+                                            <p:cond delay="1808"/>
+                                          </p:stCondLst>
+                                        </p:cTn>
+                                        <p:tgtEl>
+                                          <p:spTgt spid="6"/>
+                                        </p:tgtEl>
+                                      </p:cBhvr>
+                                      <p:to x="100000" y="95000"/>
+                                    </p:animScale>
+                                    <p:animScale>
+                                      <p:cBhvr>
+                                        <p:cTn id="20" dur="166" decel="50000">
+                                          <p:stCondLst>
+                                            <p:cond delay="1834"/>
+                                          </p:stCondLst>
+                                        </p:cTn>
+                                        <p:tgtEl>
+                                          <p:spTgt spid="6"/>
+                                        </p:tgtEl>
+                                      </p:cBhvr>
+                                      <p:to x="100000" y="100000"/>
+                                    </p:animScale>
+                                  </p:childTnLst>
+                                </p:cTn>
+                              </p:par>
+                            </p:childTnLst>
+                          </p:cTn>
+                        </p:par>
+                      </p:childTnLst>
+                    </p:cTn>
+                  </p:par>
+                </p:childTnLst>
+              </p:cTn>
+              <p:prevCondLst>
+                <p:cond evt="onPrev" delay="0">
+                  <p:tgtEl>
+                    <p:sldTgt/>
+                  </p:tgtEl>
+                </p:cond>
+              </p:prevCondLst>
+              <p:nextCondLst>
+                <p:cond evt="onNext" delay="0">
+                  <p:tgtEl>
+                    <p:sldTgt/>
+                  </p:tgtEl>
+                </p:cond>
+              </p:nextCondLst>
+            </p:seq>
+          </p:childTnLst>
+        </p:cTn>
+      </p:par>
+    </p:tnLst>
+  </p:timing>
 </p:sld>
 </file>
 
@@ -6685,6 +7047,184 @@
   <p:clrMapOvr>
     <a:masterClrMapping/>
   </p:clrMapOvr>
+  <p:timing>
+    <p:tnLst>
+      <p:par>
+        <p:cTn id="1" dur="indefinite" restart="never" nodeType="tmRoot">
+          <p:childTnLst>
+            <p:seq concurrent="1" nextAc="seek">
+              <p:cTn id="2" dur="indefinite" nodeType="mainSeq">
+                <p:childTnLst>
+                  <p:par>
+                    <p:cTn id="3" fill="hold">
+                      <p:stCondLst>
+                        <p:cond delay="indefinite"/>
+                      </p:stCondLst>
+                      <p:childTnLst>
+                        <p:par>
+                          <p:cTn id="4" fill="hold">
+                            <p:stCondLst>
+                              <p:cond delay="0"/>
+                            </p:stCondLst>
+                            <p:childTnLst>
+                              <p:par>
+                                <p:cTn id="5" presetID="1" presetClass="entr" presetSubtype="0" fill="hold" nodeType="clickEffect">
+                                  <p:stCondLst>
+                                    <p:cond delay="0"/>
+                                  </p:stCondLst>
+                                  <p:childTnLst>
+                                    <p:set>
+                                      <p:cBhvr>
+                                        <p:cTn id="6" dur="1" fill="hold">
+                                          <p:stCondLst>
+                                            <p:cond delay="0"/>
+                                          </p:stCondLst>
+                                        </p:cTn>
+                                        <p:tgtEl>
+                                          <p:spTgt spid="7"/>
+                                        </p:tgtEl>
+                                        <p:attrNameLst>
+                                          <p:attrName>style.visibility</p:attrName>
+                                        </p:attrNameLst>
+                                      </p:cBhvr>
+                                      <p:to>
+                                        <p:strVal val="visible"/>
+                                      </p:to>
+                                    </p:set>
+                                  </p:childTnLst>
+                                </p:cTn>
+                              </p:par>
+                              <p:par>
+                                <p:cTn id="7" presetID="1" presetClass="entr" presetSubtype="0" fill="hold" grpId="0" nodeType="withEffect">
+                                  <p:stCondLst>
+                                    <p:cond delay="0"/>
+                                  </p:stCondLst>
+                                  <p:childTnLst>
+                                    <p:set>
+                                      <p:cBhvr>
+                                        <p:cTn id="8" dur="1" fill="hold">
+                                          <p:stCondLst>
+                                            <p:cond delay="0"/>
+                                          </p:stCondLst>
+                                        </p:cTn>
+                                        <p:tgtEl>
+                                          <p:spTgt spid="12"/>
+                                        </p:tgtEl>
+                                        <p:attrNameLst>
+                                          <p:attrName>style.visibility</p:attrName>
+                                        </p:attrNameLst>
+                                      </p:cBhvr>
+                                      <p:to>
+                                        <p:strVal val="visible"/>
+                                      </p:to>
+                                    </p:set>
+                                  </p:childTnLst>
+                                </p:cTn>
+                              </p:par>
+                            </p:childTnLst>
+                          </p:cTn>
+                        </p:par>
+                      </p:childTnLst>
+                    </p:cTn>
+                  </p:par>
+                  <p:par>
+                    <p:cTn id="9" fill="hold">
+                      <p:stCondLst>
+                        <p:cond delay="indefinite"/>
+                      </p:stCondLst>
+                      <p:childTnLst>
+                        <p:par>
+                          <p:cTn id="10" fill="hold">
+                            <p:stCondLst>
+                              <p:cond delay="0"/>
+                            </p:stCondLst>
+                            <p:childTnLst>
+                              <p:par>
+                                <p:cTn id="11" presetID="1" presetClass="entr" presetSubtype="0" fill="hold" nodeType="clickEffect">
+                                  <p:stCondLst>
+                                    <p:cond delay="0"/>
+                                  </p:stCondLst>
+                                  <p:childTnLst>
+                                    <p:set>
+                                      <p:cBhvr>
+                                        <p:cTn id="12" dur="1" fill="hold">
+                                          <p:stCondLst>
+                                            <p:cond delay="0"/>
+                                          </p:stCondLst>
+                                        </p:cTn>
+                                        <p:tgtEl>
+                                          <p:spTgt spid="9"/>
+                                        </p:tgtEl>
+                                        <p:attrNameLst>
+                                          <p:attrName>style.visibility</p:attrName>
+                                        </p:attrNameLst>
+                                      </p:cBhvr>
+                                      <p:to>
+                                        <p:strVal val="visible"/>
+                                      </p:to>
+                                    </p:set>
+                                  </p:childTnLst>
+                                </p:cTn>
+                              </p:par>
+                              <p:par>
+                                <p:cTn id="13" presetID="1" presetClass="entr" presetSubtype="0" fill="hold" grpId="0" nodeType="withEffect">
+                                  <p:stCondLst>
+                                    <p:cond delay="0"/>
+                                  </p:stCondLst>
+                                  <p:childTnLst>
+                                    <p:set>
+                                      <p:cBhvr>
+                                        <p:cTn id="14" dur="1" fill="hold">
+                                          <p:stCondLst>
+                                            <p:cond delay="0"/>
+                                          </p:stCondLst>
+                                        </p:cTn>
+                                        <p:tgtEl>
+                                          <p:spTgt spid="13"/>
+                                        </p:tgtEl>
+                                        <p:attrNameLst>
+                                          <p:attrName>style.visibility</p:attrName>
+                                        </p:attrNameLst>
+                                      </p:cBhvr>
+                                      <p:to>
+                                        <p:strVal val="visible"/>
+                                      </p:to>
+                                    </p:set>
+                                  </p:childTnLst>
+                                </p:cTn>
+                              </p:par>
+                            </p:childTnLst>
+                          </p:cTn>
+                        </p:par>
+                      </p:childTnLst>
+                    </p:cTn>
+                  </p:par>
+                </p:childTnLst>
+              </p:cTn>
+              <p:prevCondLst>
+                <p:cond evt="onPrev" delay="0">
+                  <p:tgtEl>
+                    <p:sldTgt/>
+                  </p:tgtEl>
+                </p:cond>
+              </p:prevCondLst>
+              <p:nextCondLst>
+                <p:cond evt="onNext" delay="0">
+                  <p:tgtEl>
+                    <p:sldTgt/>
+                  </p:tgtEl>
+                </p:cond>
+              </p:nextCondLst>
+            </p:seq>
+          </p:childTnLst>
+        </p:cTn>
+      </p:par>
+    </p:tnLst>
+    <p:bldLst>
+      <p:bldP spid="12" grpId="0"/>
+      <p:bldP spid="13" grpId="0"/>
+    </p:bldLst>
+  </p:timing>
 </p:sld>
 </file>
 
